--- a/PPTs/ProgramacionII_Clase_04.1-2018.pptx
+++ b/PPTs/ProgramacionII_Clase_04.1-2018.pptx
@@ -15,6 +15,7 @@
     <p:sldId id="262" r:id="rId9"/>
     <p:sldId id="264" r:id="rId10"/>
     <p:sldId id="265" r:id="rId11"/>
+    <p:sldId id="266" r:id="rId12"/>
   </p:sldIdLst>
   <p:sldSz cx="12192000" cy="6858000"/>
   <p:notesSz cx="6858000" cy="9144000"/>
@@ -113,6 +114,11 @@
       </a:defRPr>
     </a:lvl9pPr>
   </p:defaultTextStyle>
+  <p:extLst>
+    <p:ext uri="{EFAFB233-063F-42B5-8137-9DF3F51BA10A}">
+      <p15:sldGuideLst xmlns:p15="http://schemas.microsoft.com/office/powerpoint/2012/main"/>
+    </p:ext>
+  </p:extLst>
 </p:presentation>
 </file>
 
@@ -390,7 +396,7 @@
           <a:p>
             <a:fld id="{78ABE3C1-DBE1-495D-B57B-2849774B866A}" type="datetimeFigureOut">
               <a:rPr lang="en-US" dirty="0"/>
-              <a:t>8/28/2018</a:t>
+              <a:t>8/30/2018</a:t>
             </a:fld>
             <a:endParaRPr lang="en-US" dirty="0"/>
           </a:p>
@@ -799,7 +805,7 @@
           <a:p>
             <a:fld id="{446C117F-5CCF-4837-BE5F-2B92066CAFAF}" type="datetimeFigureOut">
               <a:rPr lang="en-US" dirty="0"/>
-              <a:t>8/28/2018</a:t>
+              <a:t>8/30/2018</a:t>
             </a:fld>
             <a:endParaRPr lang="en-US" dirty="0"/>
           </a:p>
@@ -1130,7 +1136,7 @@
           <a:p>
             <a:fld id="{84EB90BD-B6CE-46B7-997F-7313B992CCDC}" type="datetimeFigureOut">
               <a:rPr lang="en-US" dirty="0"/>
-              <a:t>8/28/2018</a:t>
+              <a:t>8/30/2018</a:t>
             </a:fld>
             <a:endParaRPr lang="en-US" dirty="0"/>
           </a:p>
@@ -1530,7 +1536,7 @@
           <a:p>
             <a:fld id="{CDB9D11F-B188-461D-B23F-39381795C052}" type="datetimeFigureOut">
               <a:rPr lang="en-US" dirty="0"/>
-              <a:t>8/28/2018</a:t>
+              <a:t>8/30/2018</a:t>
             </a:fld>
             <a:endParaRPr lang="en-US" dirty="0"/>
           </a:p>
@@ -2093,7 +2099,7 @@
           <a:p>
             <a:fld id="{52E6D8D9-55A2-4063-B0F3-121F44549695}" type="datetimeFigureOut">
               <a:rPr lang="en-US" dirty="0"/>
-              <a:t>8/28/2018</a:t>
+              <a:t>8/30/2018</a:t>
             </a:fld>
             <a:endParaRPr lang="en-US" dirty="0"/>
           </a:p>
@@ -2769,7 +2775,7 @@
           <a:p>
             <a:fld id="{D4B24536-994D-4021-A283-9F449C0DB509}" type="datetimeFigureOut">
               <a:rPr lang="en-US" dirty="0"/>
-              <a:t>8/28/2018</a:t>
+              <a:t>8/30/2018</a:t>
             </a:fld>
             <a:endParaRPr lang="en-US" dirty="0"/>
           </a:p>
@@ -3677,7 +3683,7 @@
           <a:p>
             <a:fld id="{3CBBBB78-C96F-47B7-AB17-D852CA960AC9}" type="datetimeFigureOut">
               <a:rPr lang="en-US" dirty="0"/>
-              <a:t>8/28/2018</a:t>
+              <a:t>8/30/2018</a:t>
             </a:fld>
             <a:endParaRPr lang="en-US" dirty="0"/>
           </a:p>
@@ -3985,7 +3991,7 @@
           <a:p>
             <a:fld id="{1FA3F48C-C7C6-4055-9F49-3777875E72AE}" type="datetimeFigureOut">
               <a:rPr lang="en-US" dirty="0"/>
-              <a:t>8/28/2018</a:t>
+              <a:t>8/30/2018</a:t>
             </a:fld>
             <a:endParaRPr lang="en-US" dirty="0"/>
           </a:p>
@@ -4244,7 +4250,7 @@
           <a:p>
             <a:fld id="{6178E61D-D431-422C-9764-11DAFE33AB63}" type="datetimeFigureOut">
               <a:rPr lang="en-US" dirty="0"/>
-              <a:t>8/28/2018</a:t>
+              <a:t>8/30/2018</a:t>
             </a:fld>
             <a:endParaRPr lang="en-US" dirty="0"/>
           </a:p>
@@ -4563,7 +4569,7 @@
           <a:p>
             <a:fld id="{12DE42F4-6EEF-4EF7-8ED4-2208F0F89A08}" type="datetimeFigureOut">
               <a:rPr lang="en-US" dirty="0"/>
-              <a:t>8/28/2018</a:t>
+              <a:t>8/30/2018</a:t>
             </a:fld>
             <a:endParaRPr lang="en-US" dirty="0"/>
           </a:p>
@@ -4947,7 +4953,7 @@
           <a:p>
             <a:fld id="{30578ACC-22D6-47C1-A373-4FD133E34F3C}" type="datetimeFigureOut">
               <a:rPr lang="en-US" dirty="0"/>
-              <a:t>8/28/2018</a:t>
+              <a:t>8/30/2018</a:t>
             </a:fld>
             <a:endParaRPr lang="en-US" dirty="0"/>
           </a:p>
@@ -5318,7 +5324,7 @@
           <a:p>
             <a:fld id="{4E5A6C69-6797-4E8A-BF37-F2C3751466E9}" type="datetimeFigureOut">
               <a:rPr lang="en-US" dirty="0"/>
-              <a:t>8/28/2018</a:t>
+              <a:t>8/30/2018</a:t>
             </a:fld>
             <a:endParaRPr lang="en-US" dirty="0"/>
           </a:p>
@@ -5819,7 +5825,7 @@
           <a:p>
             <a:fld id="{D82014A1-A632-4878-A0D3-F52BA7563730}" type="datetimeFigureOut">
               <a:rPr lang="en-US" dirty="0"/>
-              <a:t>8/28/2018</a:t>
+              <a:t>8/30/2018</a:t>
             </a:fld>
             <a:endParaRPr lang="en-US" dirty="0"/>
           </a:p>
@@ -6071,7 +6077,7 @@
           <a:p>
             <a:fld id="{CE99F462-093F-4566-844B-4C71F2739DA5}" type="datetimeFigureOut">
               <a:rPr lang="en-US" dirty="0"/>
-              <a:t>8/28/2018</a:t>
+              <a:t>8/30/2018</a:t>
             </a:fld>
             <a:endParaRPr lang="en-US" dirty="0"/>
           </a:p>
@@ -6229,7 +6235,7 @@
           <a:p>
             <a:fld id="{3D24A7AC-904D-4781-85BA-7D10C17ED021}" type="datetimeFigureOut">
               <a:rPr lang="en-US" dirty="0"/>
-              <a:t>8/28/2018</a:t>
+              <a:t>8/30/2018</a:t>
             </a:fld>
             <a:endParaRPr lang="en-US" dirty="0"/>
           </a:p>
@@ -6614,7 +6620,7 @@
           <a:p>
             <a:fld id="{E331444B-B92B-4E27-8C94-BB93EAF5CB18}" type="datetimeFigureOut">
               <a:rPr lang="en-US" dirty="0"/>
-              <a:t>8/28/2018</a:t>
+              <a:t>8/30/2018</a:t>
             </a:fld>
             <a:endParaRPr lang="en-US" dirty="0"/>
           </a:p>
@@ -7018,7 +7024,7 @@
           <a:p>
             <a:fld id="{363EFA5E-FA76-400D-B3DC-F0BA90E6D107}" type="datetimeFigureOut">
               <a:rPr lang="en-US" dirty="0"/>
-              <a:t>8/28/2018</a:t>
+              <a:t>8/30/2018</a:t>
             </a:fld>
             <a:endParaRPr lang="en-US" dirty="0"/>
           </a:p>
@@ -7257,7 +7263,7 @@
           <a:p>
             <a:fld id="{9D6E9DEC-419B-4CC5-A080-3B06BD5A8291}" type="datetimeFigureOut">
               <a:rPr lang="en-US" dirty="0"/>
-              <a:t>8/28/2018</a:t>
+              <a:t>8/30/2018</a:t>
             </a:fld>
             <a:endParaRPr lang="en-US" dirty="0"/>
           </a:p>
@@ -7834,6 +7840,13 @@
   <p:clrMapOvr>
     <a:masterClrMapping/>
   </p:clrMapOvr>
+  <p:timing>
+    <p:tnLst>
+      <p:par>
+        <p:cTn id="1" dur="indefinite" restart="never" nodeType="tmRoot"/>
+      </p:par>
+    </p:tnLst>
+  </p:timing>
 </p:sld>
 </file>
 
@@ -8689,10 +8702,17 @@
   <p:clrMapOvr>
     <a:masterClrMapping/>
   </p:clrMapOvr>
+  <p:timing>
+    <p:tnLst>
+      <p:par>
+        <p:cTn id="1" dur="indefinite" restart="never" nodeType="tmRoot"/>
+      </p:par>
+    </p:tnLst>
+  </p:timing>
 </p:sld>
 </file>
 
-<file path=ppt/slides/slide2.xml><?xml version="1.0" encoding="utf-8"?>
+<file path=ppt/slides/slide11.xml><?xml version="1.0" encoding="utf-8"?>
 <p:sld xmlns:a="http://schemas.openxmlformats.org/drawingml/2006/main" xmlns:r="http://schemas.openxmlformats.org/officeDocument/2006/relationships" xmlns:p="http://schemas.openxmlformats.org/presentationml/2006/main">
   <p:cSld>
     <p:spTree>
@@ -8725,381 +8745,16 @@
           <a:lstStyle/>
           <a:p>
             <a:r>
-              <a:rPr lang="es-AR" dirty="0"/>
-              <a:t>¿Qué es la Sobrecarga de Métodos?</a:t>
-            </a:r>
+              <a:rPr lang="es-AR" dirty="0" smtClean="0"/>
+              <a:t>Ejemplo</a:t>
+            </a:r>
+            <a:endParaRPr lang="es-AR" dirty="0"/>
           </a:p>
         </p:txBody>
       </p:sp>
       <p:sp>
         <p:nvSpPr>
-          <p:cNvPr id="3" name="Marcador de contenido 2"/>
-          <p:cNvSpPr>
-            <a:spLocks noGrp="1"/>
-          </p:cNvSpPr>
-          <p:nvPr>
-            <p:ph idx="1"/>
-          </p:nvPr>
-        </p:nvSpPr>
-        <p:spPr/>
-        <p:txBody>
-          <a:bodyPr/>
-          <a:lstStyle/>
-          <a:p>
-            <a:pPr>
-              <a:defRPr/>
-            </a:pPr>
-            <a:r>
-              <a:rPr lang="es-ES" dirty="0">
-                <a:effectLst>
-                  <a:outerShdw blurRad="38100" dist="38100" dir="2700000" algn="tl">
-                    <a:srgbClr val="000000">
-                      <a:alpha val="43137"/>
-                    </a:srgbClr>
-                  </a:outerShdw>
-                </a:effectLst>
-              </a:rPr>
-              <a:t>Los métodos no pueden tener el mismo nombre que otros elementos en una misma clase (atributos, propiedades, etc.).</a:t>
-            </a:r>
-          </a:p>
-          <a:p>
-            <a:pPr>
-              <a:defRPr/>
-            </a:pPr>
-            <a:endParaRPr lang="es-ES" dirty="0">
-              <a:effectLst>
-                <a:outerShdw blurRad="38100" dist="38100" dir="2700000" algn="tl">
-                  <a:srgbClr val="000000">
-                    <a:alpha val="43137"/>
-                  </a:srgbClr>
-                </a:outerShdw>
-              </a:effectLst>
-            </a:endParaRPr>
-          </a:p>
-          <a:p>
-            <a:pPr>
-              <a:defRPr/>
-            </a:pPr>
-            <a:r>
-              <a:rPr lang="es-ES" dirty="0">
-                <a:effectLst>
-                  <a:outerShdw blurRad="38100" dist="38100" dir="2700000" algn="tl">
-                    <a:srgbClr val="000000">
-                      <a:alpha val="43137"/>
-                    </a:srgbClr>
-                  </a:outerShdw>
-                </a:effectLst>
-              </a:rPr>
-              <a:t>Sin embargo, dos o más métodos en una clase sí pueden compartir el mismo nombre</a:t>
-            </a:r>
-            <a:r>
-              <a:rPr lang="es-ES" dirty="0" smtClean="0">
-                <a:effectLst>
-                  <a:outerShdw blurRad="38100" dist="38100" dir="2700000" algn="tl">
-                    <a:srgbClr val="000000">
-                      <a:alpha val="43137"/>
-                    </a:srgbClr>
-                  </a:outerShdw>
-                </a:effectLst>
-              </a:rPr>
-              <a:t>.</a:t>
-            </a:r>
-            <a:endParaRPr lang="es-ES" dirty="0">
-              <a:effectLst>
-                <a:outerShdw blurRad="38100" dist="38100" dir="2700000" algn="tl">
-                  <a:srgbClr val="000000">
-                    <a:alpha val="43137"/>
-                  </a:srgbClr>
-                </a:outerShdw>
-              </a:effectLst>
-            </a:endParaRPr>
-          </a:p>
-          <a:p>
-            <a:pPr>
-              <a:defRPr/>
-            </a:pPr>
-            <a:endParaRPr lang="es-ES" dirty="0">
-              <a:effectLst>
-                <a:outerShdw blurRad="38100" dist="38100" dir="2700000" algn="tl">
-                  <a:srgbClr val="000000">
-                    <a:alpha val="43137"/>
-                  </a:srgbClr>
-                </a:outerShdw>
-              </a:effectLst>
-            </a:endParaRPr>
-          </a:p>
-          <a:p>
-            <a:pPr>
-              <a:defRPr/>
-            </a:pPr>
-            <a:r>
-              <a:rPr lang="es-ES" dirty="0">
-                <a:effectLst>
-                  <a:outerShdw blurRad="38100" dist="38100" dir="2700000" algn="tl">
-                    <a:srgbClr val="000000">
-                      <a:alpha val="43137"/>
-                    </a:srgbClr>
-                  </a:outerShdw>
-                </a:effectLst>
-              </a:rPr>
-              <a:t>A esto se le da el nombre de </a:t>
-            </a:r>
-            <a:r>
-              <a:rPr lang="es-ES" b="1" dirty="0">
-                <a:effectLst>
-                  <a:outerShdw blurRad="38100" dist="38100" dir="2700000" algn="tl">
-                    <a:srgbClr val="000000">
-                      <a:alpha val="43137"/>
-                    </a:srgbClr>
-                  </a:outerShdw>
-                </a:effectLst>
-              </a:rPr>
-              <a:t>sobrecarga</a:t>
-            </a:r>
-            <a:r>
-              <a:rPr lang="es-ES" dirty="0" smtClean="0">
-                <a:effectLst>
-                  <a:outerShdw blurRad="38100" dist="38100" dir="2700000" algn="tl">
-                    <a:srgbClr val="000000">
-                      <a:alpha val="43137"/>
-                    </a:srgbClr>
-                  </a:outerShdw>
-                </a:effectLst>
-              </a:rPr>
-              <a:t>.</a:t>
-            </a:r>
-            <a:endParaRPr lang="es-ES" dirty="0">
-              <a:effectLst>
-                <a:outerShdw blurRad="38100" dist="38100" dir="2700000" algn="tl">
-                  <a:srgbClr val="000000">
-                    <a:alpha val="43137"/>
-                  </a:srgbClr>
-                </a:outerShdw>
-              </a:effectLst>
-            </a:endParaRPr>
-          </a:p>
-        </p:txBody>
-      </p:sp>
-    </p:spTree>
-    <p:extLst>
-      <p:ext uri="{BB962C8B-B14F-4D97-AF65-F5344CB8AC3E}">
-        <p14:creationId xmlns:p14="http://schemas.microsoft.com/office/powerpoint/2010/main" val="4192996845"/>
-      </p:ext>
-    </p:extLst>
-  </p:cSld>
-  <p:clrMapOvr>
-    <a:masterClrMapping/>
-  </p:clrMapOvr>
-</p:sld>
-</file>
-
-<file path=ppt/slides/slide3.xml><?xml version="1.0" encoding="utf-8"?>
-<p:sld xmlns:a="http://schemas.openxmlformats.org/drawingml/2006/main" xmlns:r="http://schemas.openxmlformats.org/officeDocument/2006/relationships" xmlns:p="http://schemas.openxmlformats.org/presentationml/2006/main">
-  <p:cSld>
-    <p:spTree>
-      <p:nvGrpSpPr>
-        <p:cNvPr id="1" name=""/>
-        <p:cNvGrpSpPr/>
-        <p:nvPr/>
-      </p:nvGrpSpPr>
-      <p:grpSpPr>
-        <a:xfrm>
-          <a:off x="0" y="0"/>
-          <a:ext cx="0" cy="0"/>
-          <a:chOff x="0" y="0"/>
-          <a:chExt cx="0" cy="0"/>
-        </a:xfrm>
-      </p:grpSpPr>
-      <p:sp>
-        <p:nvSpPr>
-          <p:cNvPr id="2" name="Título 1"/>
-          <p:cNvSpPr>
-            <a:spLocks noGrp="1"/>
-          </p:cNvSpPr>
-          <p:nvPr>
-            <p:ph type="title"/>
-          </p:nvPr>
-        </p:nvSpPr>
-        <p:spPr/>
-        <p:txBody>
-          <a:bodyPr/>
-          <a:lstStyle/>
-          <a:p>
-            <a:r>
-              <a:rPr lang="es-AR" dirty="0"/>
-              <a:t>Declaración de Métodos Sobrecargados</a:t>
-            </a:r>
-          </a:p>
-        </p:txBody>
-      </p:sp>
-      <p:sp>
-        <p:nvSpPr>
-          <p:cNvPr id="3" name="Marcador de contenido 2"/>
-          <p:cNvSpPr>
-            <a:spLocks noGrp="1"/>
-          </p:cNvSpPr>
-          <p:nvPr>
-            <p:ph idx="1"/>
-          </p:nvPr>
-        </p:nvSpPr>
-        <p:spPr/>
-        <p:txBody>
-          <a:bodyPr/>
-          <a:lstStyle/>
-          <a:p>
-            <a:pPr>
-              <a:defRPr/>
-            </a:pPr>
-            <a:r>
-              <a:rPr lang="es-ES" dirty="0">
-                <a:effectLst>
-                  <a:outerShdw blurRad="38100" dist="38100" dir="2700000" algn="tl">
-                    <a:srgbClr val="000000">
-                      <a:alpha val="43137"/>
-                    </a:srgbClr>
-                  </a:outerShdw>
-                </a:effectLst>
-              </a:rPr>
-              <a:t>Los métodos se sobrecargan cambiando el número, el tipo y el orden de los parámetros (se cambia la firma del método</a:t>
-            </a:r>
-            <a:r>
-              <a:rPr lang="es-ES" dirty="0" smtClean="0">
-                <a:effectLst>
-                  <a:outerShdw blurRad="38100" dist="38100" dir="2700000" algn="tl">
-                    <a:srgbClr val="000000">
-                      <a:alpha val="43137"/>
-                    </a:srgbClr>
-                  </a:outerShdw>
-                </a:effectLst>
-              </a:rPr>
-              <a:t>).</a:t>
-            </a:r>
-            <a:endParaRPr lang="es-ES" dirty="0">
-              <a:effectLst>
-                <a:outerShdw blurRad="38100" dist="38100" dir="2700000" algn="tl">
-                  <a:srgbClr val="000000">
-                    <a:alpha val="43137"/>
-                  </a:srgbClr>
-                </a:outerShdw>
-              </a:effectLst>
-            </a:endParaRPr>
-          </a:p>
-          <a:p>
-            <a:pPr>
-              <a:defRPr/>
-            </a:pPr>
-            <a:endParaRPr lang="es-ES" sz="2000" dirty="0">
-              <a:effectLst>
-                <a:outerShdw blurRad="38100" dist="38100" dir="2700000" algn="tl">
-                  <a:srgbClr val="000000">
-                    <a:alpha val="43137"/>
-                  </a:srgbClr>
-                </a:outerShdw>
-              </a:effectLst>
-            </a:endParaRPr>
-          </a:p>
-          <a:p>
-            <a:pPr>
-              <a:defRPr/>
-            </a:pPr>
-            <a:r>
-              <a:rPr lang="es-ES" dirty="0">
-                <a:effectLst>
-                  <a:outerShdw blurRad="38100" dist="38100" dir="2700000" algn="tl">
-                    <a:srgbClr val="000000">
-                      <a:alpha val="43137"/>
-                    </a:srgbClr>
-                  </a:outerShdw>
-                </a:effectLst>
-              </a:rPr>
-              <a:t>El compilador de C# distingue métodos sobrecargados comparando las listas de parámetros</a:t>
-            </a:r>
-            <a:r>
-              <a:rPr lang="es-ES" dirty="0" smtClean="0">
-                <a:effectLst>
-                  <a:outerShdw blurRad="38100" dist="38100" dir="2700000" algn="tl">
-                    <a:srgbClr val="000000">
-                      <a:alpha val="43137"/>
-                    </a:srgbClr>
-                  </a:outerShdw>
-                </a:effectLst>
-              </a:rPr>
-              <a:t>.</a:t>
-            </a:r>
-            <a:endParaRPr lang="es-ES" dirty="0">
-              <a:effectLst>
-                <a:outerShdw blurRad="38100" dist="38100" dir="2700000" algn="tl">
-                  <a:srgbClr val="000000">
-                    <a:alpha val="43137"/>
-                  </a:srgbClr>
-                </a:outerShdw>
-              </a:effectLst>
-            </a:endParaRPr>
-          </a:p>
-          <a:p>
-            <a:pPr marL="0" indent="0">
-              <a:buNone/>
-            </a:pPr>
-            <a:endParaRPr lang="es-AR" dirty="0"/>
-          </a:p>
-        </p:txBody>
-      </p:sp>
-    </p:spTree>
-    <p:extLst>
-      <p:ext uri="{BB962C8B-B14F-4D97-AF65-F5344CB8AC3E}">
-        <p14:creationId xmlns:p14="http://schemas.microsoft.com/office/powerpoint/2010/main" val="1630496682"/>
-      </p:ext>
-    </p:extLst>
-  </p:cSld>
-  <p:clrMapOvr>
-    <a:masterClrMapping/>
-  </p:clrMapOvr>
-</p:sld>
-</file>
-
-<file path=ppt/slides/slide4.xml><?xml version="1.0" encoding="utf-8"?>
-<p:sld xmlns:a="http://schemas.openxmlformats.org/drawingml/2006/main" xmlns:r="http://schemas.openxmlformats.org/officeDocument/2006/relationships" xmlns:p="http://schemas.openxmlformats.org/presentationml/2006/main">
-  <p:cSld>
-    <p:spTree>
-      <p:nvGrpSpPr>
-        <p:cNvPr id="1" name=""/>
-        <p:cNvGrpSpPr/>
-        <p:nvPr/>
-      </p:nvGrpSpPr>
-      <p:grpSpPr>
-        <a:xfrm>
-          <a:off x="0" y="0"/>
-          <a:ext cx="0" cy="0"/>
-          <a:chOff x="0" y="0"/>
-          <a:chExt cx="0" cy="0"/>
-        </a:xfrm>
-      </p:grpSpPr>
-      <p:sp>
-        <p:nvSpPr>
-          <p:cNvPr id="2" name="Título 1"/>
-          <p:cNvSpPr>
-            <a:spLocks noGrp="1"/>
-          </p:cNvSpPr>
-          <p:nvPr>
-            <p:ph type="title"/>
-          </p:nvPr>
-        </p:nvSpPr>
-        <p:spPr/>
-        <p:txBody>
-          <a:bodyPr/>
-          <a:lstStyle/>
-          <a:p>
-            <a:r>
-              <a:rPr lang="es-AR" dirty="0" smtClean="0"/>
-              <a:t>Ejemplo I: Cantidad de parámetros</a:t>
-            </a:r>
-            <a:endParaRPr lang="es-AR" dirty="0"/>
-          </a:p>
-        </p:txBody>
-      </p:sp>
-      <p:sp>
-        <p:nvSpPr>
-          <p:cNvPr id="5" name="Google Shape;408;p22"/>
+          <p:cNvPr id="4" name="Google Shape;408;p22"/>
           <p:cNvSpPr txBox="1">
             <a:spLocks/>
           </p:cNvSpPr>
@@ -9437,7 +9092,7 @@
               <a:buNone/>
             </a:pPr>
             <a:r>
-              <a:rPr lang="en-US" sz="2000" dirty="0">
+              <a:rPr lang="es-AR" sz="2000" dirty="0">
                 <a:solidFill>
                   <a:srgbClr val="000000"/>
                 </a:solidFill>
@@ -9446,94 +9101,22 @@
               <a:t>    </a:t>
             </a:r>
             <a:r>
-              <a:rPr lang="en-US" sz="2000" dirty="0">
+              <a:rPr lang="es-AR" sz="2000" dirty="0" err="1">
                 <a:solidFill>
                   <a:srgbClr val="0000FF"/>
                 </a:solidFill>
                 <a:latin typeface="Consolas" panose="020B0609020204030204" pitchFamily="49" charset="0"/>
               </a:rPr>
-              <a:t>static</a:t>
-            </a:r>
-            <a:r>
-              <a:rPr lang="en-US" sz="2000" dirty="0">
-                <a:solidFill>
-                  <a:srgbClr val="000000"/>
-                </a:solidFill>
-                <a:latin typeface="Consolas" panose="020B0609020204030204" pitchFamily="49" charset="0"/>
-              </a:rPr>
-              <a:t> </a:t>
-            </a:r>
-            <a:r>
-              <a:rPr lang="en-US" sz="2000" dirty="0" err="1">
-                <a:solidFill>
-                  <a:srgbClr val="0000FF"/>
-                </a:solidFill>
-                <a:latin typeface="Consolas" panose="020B0609020204030204" pitchFamily="49" charset="0"/>
-              </a:rPr>
-              <a:t>int</a:t>
-            </a:r>
-            <a:r>
-              <a:rPr lang="en-US" sz="2000" dirty="0">
-                <a:solidFill>
-                  <a:srgbClr val="000000"/>
-                </a:solidFill>
-                <a:latin typeface="Consolas" panose="020B0609020204030204" pitchFamily="49" charset="0"/>
-              </a:rPr>
-              <a:t> </a:t>
-            </a:r>
-            <a:r>
-              <a:rPr lang="en-US" sz="2000" dirty="0" err="1">
-                <a:solidFill>
-                  <a:srgbClr val="000000"/>
-                </a:solidFill>
-                <a:latin typeface="Consolas" panose="020B0609020204030204" pitchFamily="49" charset="0"/>
-              </a:rPr>
-              <a:t>Sumar</a:t>
-            </a:r>
-            <a:r>
-              <a:rPr lang="en-US" sz="2000" dirty="0">
-                <a:solidFill>
-                  <a:srgbClr val="000000"/>
-                </a:solidFill>
-                <a:latin typeface="Consolas" panose="020B0609020204030204" pitchFamily="49" charset="0"/>
-              </a:rPr>
-              <a:t>(</a:t>
-            </a:r>
-            <a:r>
-              <a:rPr lang="en-US" sz="2000" dirty="0" err="1">
-                <a:solidFill>
-                  <a:srgbClr val="0000FF"/>
-                </a:solidFill>
-                <a:latin typeface="Consolas" panose="020B0609020204030204" pitchFamily="49" charset="0"/>
-              </a:rPr>
-              <a:t>int</a:t>
-            </a:r>
-            <a:r>
-              <a:rPr lang="en-US" sz="2000" dirty="0">
-                <a:solidFill>
-                  <a:srgbClr val="000000"/>
-                </a:solidFill>
-                <a:latin typeface="Consolas" panose="020B0609020204030204" pitchFamily="49" charset="0"/>
-              </a:rPr>
-              <a:t> a, </a:t>
-            </a:r>
-            <a:r>
-              <a:rPr lang="en-US" sz="2000" dirty="0" err="1">
-                <a:solidFill>
-                  <a:srgbClr val="0000FF"/>
-                </a:solidFill>
-                <a:latin typeface="Consolas" panose="020B0609020204030204" pitchFamily="49" charset="0"/>
-              </a:rPr>
-              <a:t>int</a:t>
-            </a:r>
-            <a:r>
-              <a:rPr lang="en-US" sz="2000" dirty="0">
-                <a:solidFill>
-                  <a:srgbClr val="000000"/>
-                </a:solidFill>
-                <a:latin typeface="Consolas" panose="020B0609020204030204" pitchFamily="49" charset="0"/>
-              </a:rPr>
-              <a:t> b)</a:t>
+              <a:t>public</a:t>
+            </a:r>
+            <a:r>
+              <a:rPr lang="es-AR" sz="2000" dirty="0">
+                <a:solidFill>
+                  <a:srgbClr val="000000"/>
+                </a:solidFill>
+                <a:latin typeface="Consolas" panose="020B0609020204030204" pitchFamily="49" charset="0"/>
+              </a:rPr>
+              <a:t> Sobrecarga()</a:t>
             </a:r>
           </a:p>
           <a:p>
@@ -9550,44 +9133,43 @@
                 </a:solidFill>
                 <a:latin typeface="Consolas" panose="020B0609020204030204" pitchFamily="49" charset="0"/>
               </a:rPr>
-              <a:t>    {   </a:t>
+              <a:t>    </a:t>
             </a:r>
             <a:r>
               <a:rPr lang="es-AR" sz="2000" dirty="0" smtClean="0">
                 <a:solidFill>
+                  <a:srgbClr val="000000"/>
+                </a:solidFill>
+                <a:latin typeface="Consolas" panose="020B0609020204030204" pitchFamily="49" charset="0"/>
+              </a:rPr>
+              <a:t>{ </a:t>
+            </a:r>
+            <a:r>
+              <a:rPr lang="es-AR" sz="2000" dirty="0" smtClean="0">
+                <a:solidFill>
                   <a:srgbClr val="008000"/>
                 </a:solidFill>
                 <a:latin typeface="Consolas" panose="020B0609020204030204" pitchFamily="49" charset="0"/>
               </a:rPr>
-              <a:t>//</a:t>
-            </a:r>
-            <a:r>
-              <a:rPr lang="es-AR" sz="2000" dirty="0">
-                <a:solidFill>
-                  <a:srgbClr val="008000"/>
-                </a:solidFill>
-                <a:latin typeface="Consolas" panose="020B0609020204030204" pitchFamily="49" charset="0"/>
-              </a:rPr>
-              <a:t> M</a:t>
+              <a:t>//…</a:t>
             </a:r>
             <a:r>
               <a:rPr lang="es-AR" sz="2000" dirty="0" smtClean="0">
                 <a:solidFill>
-                  <a:srgbClr val="008000"/>
-                </a:solidFill>
-                <a:latin typeface="Consolas" panose="020B0609020204030204" pitchFamily="49" charset="0"/>
-              </a:rPr>
-              <a:t>étodo </a:t>
-            </a:r>
-            <a:r>
-              <a:rPr lang="es-AR" sz="2000" dirty="0">
-                <a:solidFill>
-                  <a:srgbClr val="008000"/>
-                </a:solidFill>
-                <a:latin typeface="Consolas" panose="020B0609020204030204" pitchFamily="49" charset="0"/>
-              </a:rPr>
-              <a:t>con dos parámetros</a:t>
-            </a:r>
+                  <a:srgbClr val="000000"/>
+                </a:solidFill>
+                <a:latin typeface="Consolas" panose="020B0609020204030204" pitchFamily="49" charset="0"/>
+              </a:rPr>
+              <a:t> }</a:t>
+            </a:r>
+          </a:p>
+          <a:p>
+            <a:pPr marL="76200" indent="0">
+              <a:spcBef>
+                <a:spcPts val="0"/>
+              </a:spcBef>
+              <a:buNone/>
+            </a:pPr>
             <a:endParaRPr lang="es-AR" sz="2000" dirty="0">
               <a:solidFill>
                 <a:srgbClr val="000000"/>
@@ -9609,7 +9191,7 @@
                 </a:solidFill>
                 <a:latin typeface="Consolas" panose="020B0609020204030204" pitchFamily="49" charset="0"/>
               </a:rPr>
-              <a:t>        </a:t>
+              <a:t>    </a:t>
             </a:r>
             <a:r>
               <a:rPr lang="es-AR" sz="2000" dirty="0" err="1">
@@ -9618,7 +9200,7 @@
                 </a:solidFill>
                 <a:latin typeface="Consolas" panose="020B0609020204030204" pitchFamily="49" charset="0"/>
               </a:rPr>
-              <a:t>return</a:t>
+              <a:t>public</a:t>
             </a:r>
             <a:r>
               <a:rPr lang="es-AR" sz="2000" dirty="0">
@@ -9627,7 +9209,25 @@
                 </a:solidFill>
                 <a:latin typeface="Consolas" panose="020B0609020204030204" pitchFamily="49" charset="0"/>
               </a:rPr>
-              <a:t> a + b;</a:t>
+              <a:t> Sobrecarga(</a:t>
+            </a:r>
+            <a:r>
+              <a:rPr lang="es-AR" sz="2000" dirty="0" err="1">
+                <a:solidFill>
+                  <a:srgbClr val="0000FF"/>
+                </a:solidFill>
+                <a:latin typeface="Consolas" panose="020B0609020204030204" pitchFamily="49" charset="0"/>
+              </a:rPr>
+              <a:t>int</a:t>
+            </a:r>
+            <a:r>
+              <a:rPr lang="es-AR" sz="2000" dirty="0">
+                <a:solidFill>
+                  <a:srgbClr val="000000"/>
+                </a:solidFill>
+                <a:latin typeface="Consolas" panose="020B0609020204030204" pitchFamily="49" charset="0"/>
+              </a:rPr>
+              <a:t> n)</a:t>
             </a:r>
           </a:p>
           <a:p>
@@ -9653,8 +9253,34 @@
                 </a:solidFill>
                 <a:latin typeface="Consolas" panose="020B0609020204030204" pitchFamily="49" charset="0"/>
               </a:rPr>
-              <a:t>}</a:t>
-            </a:r>
+              <a:t>{ </a:t>
+            </a:r>
+            <a:r>
+              <a:rPr lang="es-AR" sz="2000" dirty="0" smtClean="0">
+                <a:solidFill>
+                  <a:srgbClr val="008000"/>
+                </a:solidFill>
+                <a:latin typeface="Consolas" panose="020B0609020204030204" pitchFamily="49" charset="0"/>
+              </a:rPr>
+              <a:t>//…</a:t>
+            </a:r>
+            <a:r>
+              <a:rPr lang="es-AR" sz="2000" dirty="0" smtClean="0">
+                <a:solidFill>
+                  <a:srgbClr val="000000"/>
+                </a:solidFill>
+                <a:latin typeface="Consolas" panose="020B0609020204030204" pitchFamily="49" charset="0"/>
+              </a:rPr>
+              <a:t> }</a:t>
+            </a:r>
+          </a:p>
+          <a:p>
+            <a:pPr marL="76200" indent="0">
+              <a:spcBef>
+                <a:spcPts val="0"/>
+              </a:spcBef>
+              <a:buNone/>
+            </a:pPr>
             <a:endParaRPr lang="es-AR" sz="2000" dirty="0">
               <a:solidFill>
                 <a:srgbClr val="000000"/>
@@ -9670,7 +9296,7 @@
               <a:buNone/>
             </a:pPr>
             <a:r>
-              <a:rPr lang="en-US" sz="2000" dirty="0">
+              <a:rPr lang="pt-BR" sz="2000" dirty="0">
                 <a:solidFill>
                   <a:srgbClr val="000000"/>
                 </a:solidFill>
@@ -9679,25 +9305,25 @@
               <a:t>    </a:t>
             </a:r>
             <a:r>
-              <a:rPr lang="en-US" sz="2000" dirty="0">
+              <a:rPr lang="pt-BR" sz="2000" dirty="0" err="1">
                 <a:solidFill>
                   <a:srgbClr val="0000FF"/>
                 </a:solidFill>
                 <a:latin typeface="Consolas" panose="020B0609020204030204" pitchFamily="49" charset="0"/>
               </a:rPr>
-              <a:t>static</a:t>
-            </a:r>
-            <a:r>
-              <a:rPr lang="en-US" sz="2000" dirty="0">
-                <a:solidFill>
-                  <a:srgbClr val="000000"/>
-                </a:solidFill>
-                <a:latin typeface="Consolas" panose="020B0609020204030204" pitchFamily="49" charset="0"/>
-              </a:rPr>
-              <a:t> </a:t>
-            </a:r>
-            <a:r>
-              <a:rPr lang="en-US" sz="2000" dirty="0" err="1">
+              <a:t>public</a:t>
+            </a:r>
+            <a:r>
+              <a:rPr lang="pt-BR" sz="2000" dirty="0">
+                <a:solidFill>
+                  <a:srgbClr val="000000"/>
+                </a:solidFill>
+                <a:latin typeface="Consolas" panose="020B0609020204030204" pitchFamily="49" charset="0"/>
+              </a:rPr>
+              <a:t> Sobrecarga(</a:t>
+            </a:r>
+            <a:r>
+              <a:rPr lang="pt-BR" sz="2000" dirty="0" err="1">
                 <a:solidFill>
                   <a:srgbClr val="0000FF"/>
                 </a:solidFill>
@@ -9706,34 +9332,16 @@
               <a:t>int</a:t>
             </a:r>
             <a:r>
-              <a:rPr lang="en-US" sz="2000" dirty="0">
-                <a:solidFill>
-                  <a:srgbClr val="000000"/>
-                </a:solidFill>
-                <a:latin typeface="Consolas" panose="020B0609020204030204" pitchFamily="49" charset="0"/>
-              </a:rPr>
-              <a:t> </a:t>
-            </a:r>
-            <a:r>
-              <a:rPr lang="en-US" sz="2000" dirty="0" err="1">
-                <a:solidFill>
-                  <a:srgbClr val="000000"/>
-                </a:solidFill>
-                <a:latin typeface="Consolas" panose="020B0609020204030204" pitchFamily="49" charset="0"/>
-              </a:rPr>
-              <a:t>Sumar</a:t>
-            </a:r>
-            <a:r>
-              <a:rPr lang="en-US" sz="2000" dirty="0">
-                <a:solidFill>
-                  <a:srgbClr val="000000"/>
-                </a:solidFill>
-                <a:latin typeface="Consolas" panose="020B0609020204030204" pitchFamily="49" charset="0"/>
-              </a:rPr>
-              <a:t>(</a:t>
-            </a:r>
-            <a:r>
-              <a:rPr lang="en-US" sz="2000" dirty="0" err="1">
+              <a:rPr lang="pt-BR" sz="2000" dirty="0">
+                <a:solidFill>
+                  <a:srgbClr val="000000"/>
+                </a:solidFill>
+                <a:latin typeface="Consolas" panose="020B0609020204030204" pitchFamily="49" charset="0"/>
+              </a:rPr>
+              <a:t> n, </a:t>
+            </a:r>
+            <a:r>
+              <a:rPr lang="pt-BR" sz="2000" dirty="0" err="1">
                 <a:solidFill>
                   <a:srgbClr val="0000FF"/>
                 </a:solidFill>
@@ -9742,50 +9350,47 @@
               <a:t>int</a:t>
             </a:r>
             <a:r>
-              <a:rPr lang="en-US" sz="2000" dirty="0">
-                <a:solidFill>
-                  <a:srgbClr val="000000"/>
-                </a:solidFill>
-                <a:latin typeface="Consolas" panose="020B0609020204030204" pitchFamily="49" charset="0"/>
-              </a:rPr>
-              <a:t> a, </a:t>
-            </a:r>
-            <a:r>
-              <a:rPr lang="en-US" sz="2000" dirty="0" err="1">
+              <a:rPr lang="pt-BR" sz="2000" dirty="0">
+                <a:solidFill>
+                  <a:srgbClr val="000000"/>
+                </a:solidFill>
+                <a:latin typeface="Consolas" panose="020B0609020204030204" pitchFamily="49" charset="0"/>
+              </a:rPr>
+              <a:t> x</a:t>
+            </a:r>
+            <a:r>
+              <a:rPr lang="pt-BR" sz="2000" dirty="0" smtClean="0">
+                <a:solidFill>
+                  <a:srgbClr val="000000"/>
+                </a:solidFill>
+                <a:latin typeface="Consolas" panose="020B0609020204030204" pitchFamily="49" charset="0"/>
+              </a:rPr>
+              <a:t>) : </a:t>
+            </a:r>
+            <a:r>
+              <a:rPr lang="pt-BR" sz="2000" dirty="0" err="1" smtClean="0">
                 <a:solidFill>
                   <a:srgbClr val="0000FF"/>
                 </a:solidFill>
                 <a:latin typeface="Consolas" panose="020B0609020204030204" pitchFamily="49" charset="0"/>
               </a:rPr>
-              <a:t>int</a:t>
-            </a:r>
-            <a:r>
-              <a:rPr lang="en-US" sz="2000" dirty="0">
-                <a:solidFill>
-                  <a:srgbClr val="000000"/>
-                </a:solidFill>
-                <a:latin typeface="Consolas" panose="020B0609020204030204" pitchFamily="49" charset="0"/>
-              </a:rPr>
-              <a:t> b, </a:t>
-            </a:r>
-            <a:r>
-              <a:rPr lang="en-US" sz="2000" dirty="0" err="1">
-                <a:solidFill>
-                  <a:srgbClr val="0000FF"/>
-                </a:solidFill>
-                <a:latin typeface="Consolas" panose="020B0609020204030204" pitchFamily="49" charset="0"/>
-              </a:rPr>
-              <a:t>int</a:t>
-            </a:r>
-            <a:r>
-              <a:rPr lang="en-US" sz="2000" dirty="0">
-                <a:solidFill>
-                  <a:srgbClr val="000000"/>
-                </a:solidFill>
-                <a:latin typeface="Consolas" panose="020B0609020204030204" pitchFamily="49" charset="0"/>
-              </a:rPr>
-              <a:t> c)</a:t>
-            </a:r>
+              <a:t>this</a:t>
+            </a:r>
+            <a:r>
+              <a:rPr lang="pt-BR" sz="2000" dirty="0" smtClean="0">
+                <a:solidFill>
+                  <a:srgbClr val="000000"/>
+                </a:solidFill>
+                <a:latin typeface="Consolas" panose="020B0609020204030204" pitchFamily="49" charset="0"/>
+              </a:rPr>
+              <a:t> (n)</a:t>
+            </a:r>
+            <a:endParaRPr lang="pt-BR" sz="2000" dirty="0">
+              <a:solidFill>
+                <a:srgbClr val="000000"/>
+              </a:solidFill>
+              <a:latin typeface="Consolas" panose="020B0609020204030204" pitchFamily="49" charset="0"/>
+            </a:endParaRPr>
           </a:p>
           <a:p>
             <a:pPr marL="76200" indent="0">
@@ -9801,7 +9406,7 @@
                 </a:solidFill>
                 <a:latin typeface="Consolas" panose="020B0609020204030204" pitchFamily="49" charset="0"/>
               </a:rPr>
-              <a:t>    {  </a:t>
+              <a:t>    </a:t>
             </a:r>
             <a:r>
               <a:rPr lang="es-AR" sz="2000" dirty="0" smtClean="0">
@@ -9810,7 +9415,7 @@
                 </a:solidFill>
                 <a:latin typeface="Consolas" panose="020B0609020204030204" pitchFamily="49" charset="0"/>
               </a:rPr>
-              <a:t> </a:t>
+              <a:t>{ </a:t>
             </a:r>
             <a:r>
               <a:rPr lang="es-AR" sz="2000" dirty="0" smtClean="0">
@@ -9819,35 +9424,25 @@
                 </a:solidFill>
                 <a:latin typeface="Consolas" panose="020B0609020204030204" pitchFamily="49" charset="0"/>
               </a:rPr>
-              <a:t>//</a:t>
-            </a:r>
-            <a:r>
-              <a:rPr lang="es-AR" sz="2000" dirty="0">
-                <a:solidFill>
-                  <a:srgbClr val="008000"/>
-                </a:solidFill>
-                <a:latin typeface="Consolas" panose="020B0609020204030204" pitchFamily="49" charset="0"/>
-              </a:rPr>
-              <a:t> M</a:t>
+              <a:t>//…</a:t>
             </a:r>
             <a:r>
               <a:rPr lang="es-AR" sz="2000" dirty="0" smtClean="0">
                 <a:solidFill>
-                  <a:srgbClr val="008000"/>
-                </a:solidFill>
-                <a:latin typeface="Consolas" panose="020B0609020204030204" pitchFamily="49" charset="0"/>
-              </a:rPr>
-              <a:t>étodo </a:t>
-            </a:r>
-            <a:r>
-              <a:rPr lang="es-AR" sz="2000" dirty="0">
-                <a:solidFill>
-                  <a:srgbClr val="008000"/>
-                </a:solidFill>
-                <a:latin typeface="Consolas" panose="020B0609020204030204" pitchFamily="49" charset="0"/>
-              </a:rPr>
-              <a:t>con tres parámetros</a:t>
-            </a:r>
+                  <a:srgbClr val="000000"/>
+                </a:solidFill>
+                <a:latin typeface="Consolas" panose="020B0609020204030204" pitchFamily="49" charset="0"/>
+              </a:rPr>
+              <a:t> }</a:t>
+            </a:r>
+          </a:p>
+          <a:p>
+            <a:pPr marL="76200" indent="0">
+              <a:spcBef>
+                <a:spcPts val="0"/>
+              </a:spcBef>
+              <a:buNone/>
+            </a:pPr>
             <a:endParaRPr lang="es-AR" sz="2000" dirty="0">
               <a:solidFill>
                 <a:srgbClr val="000000"/>
@@ -9869,7 +9464,7 @@
                 </a:solidFill>
                 <a:latin typeface="Consolas" panose="020B0609020204030204" pitchFamily="49" charset="0"/>
               </a:rPr>
-              <a:t>        </a:t>
+              <a:t>    </a:t>
             </a:r>
             <a:r>
               <a:rPr lang="es-AR" sz="2000" dirty="0" err="1">
@@ -9878,7 +9473,7 @@
                 </a:solidFill>
                 <a:latin typeface="Consolas" panose="020B0609020204030204" pitchFamily="49" charset="0"/>
               </a:rPr>
-              <a:t>return</a:t>
+              <a:t>public</a:t>
             </a:r>
             <a:r>
               <a:rPr lang="es-AR" sz="2000" dirty="0">
@@ -9887,7 +9482,25 @@
                 </a:solidFill>
                 <a:latin typeface="Consolas" panose="020B0609020204030204" pitchFamily="49" charset="0"/>
               </a:rPr>
-              <a:t> a + b + c;</a:t>
+              <a:t> Sobrecarga(</a:t>
+            </a:r>
+            <a:r>
+              <a:rPr lang="es-AR" sz="2000" dirty="0" err="1">
+                <a:solidFill>
+                  <a:srgbClr val="0000FF"/>
+                </a:solidFill>
+                <a:latin typeface="Consolas" panose="020B0609020204030204" pitchFamily="49" charset="0"/>
+              </a:rPr>
+              <a:t>string</a:t>
+            </a:r>
+            <a:r>
+              <a:rPr lang="es-AR" sz="2000" dirty="0">
+                <a:solidFill>
+                  <a:srgbClr val="000000"/>
+                </a:solidFill>
+                <a:latin typeface="Consolas" panose="020B0609020204030204" pitchFamily="49" charset="0"/>
+              </a:rPr>
+              <a:t> mensaje)</a:t>
             </a:r>
           </a:p>
           <a:p>
@@ -9913,7 +9526,25 @@
                 </a:solidFill>
                 <a:latin typeface="Consolas" panose="020B0609020204030204" pitchFamily="49" charset="0"/>
               </a:rPr>
-              <a:t>}</a:t>
+              <a:t>{ </a:t>
+            </a:r>
+            <a:r>
+              <a:rPr lang="es-AR" sz="2000" dirty="0" smtClean="0">
+                <a:solidFill>
+                  <a:srgbClr val="008000"/>
+                </a:solidFill>
+                <a:latin typeface="Consolas" panose="020B0609020204030204" pitchFamily="49" charset="0"/>
+              </a:rPr>
+              <a:t>//…</a:t>
+            </a:r>
+            <a:r>
+              <a:rPr lang="es-AR" sz="2000" dirty="0" smtClean="0">
+                <a:solidFill>
+                  <a:srgbClr val="000000"/>
+                </a:solidFill>
+                <a:latin typeface="Consolas" panose="020B0609020204030204" pitchFamily="49" charset="0"/>
+              </a:rPr>
+              <a:t> }</a:t>
             </a:r>
             <a:endParaRPr lang="es-AR" sz="2000" dirty="0">
               <a:solidFill>
@@ -9921,164 +9552,6 @@
               </a:solidFill>
               <a:latin typeface="Consolas" panose="020B0609020204030204" pitchFamily="49" charset="0"/>
             </a:endParaRPr>
-          </a:p>
-          <a:p>
-            <a:pPr marL="76200" indent="0">
-              <a:spcBef>
-                <a:spcPts val="0"/>
-              </a:spcBef>
-              <a:buNone/>
-            </a:pPr>
-            <a:r>
-              <a:rPr lang="es-AR" sz="2000" dirty="0">
-                <a:solidFill>
-                  <a:srgbClr val="000000"/>
-                </a:solidFill>
-                <a:latin typeface="Consolas" panose="020B0609020204030204" pitchFamily="49" charset="0"/>
-              </a:rPr>
-              <a:t>    </a:t>
-            </a:r>
-            <a:r>
-              <a:rPr lang="es-AR" sz="2000" dirty="0" err="1">
-                <a:solidFill>
-                  <a:srgbClr val="0000FF"/>
-                </a:solidFill>
-                <a:latin typeface="Consolas" panose="020B0609020204030204" pitchFamily="49" charset="0"/>
-              </a:rPr>
-              <a:t>static</a:t>
-            </a:r>
-            <a:r>
-              <a:rPr lang="es-AR" sz="2000" dirty="0">
-                <a:solidFill>
-                  <a:srgbClr val="000000"/>
-                </a:solidFill>
-                <a:latin typeface="Consolas" panose="020B0609020204030204" pitchFamily="49" charset="0"/>
-              </a:rPr>
-              <a:t> </a:t>
-            </a:r>
-            <a:r>
-              <a:rPr lang="es-AR" sz="2000" dirty="0" err="1">
-                <a:solidFill>
-                  <a:srgbClr val="0000FF"/>
-                </a:solidFill>
-                <a:latin typeface="Consolas" panose="020B0609020204030204" pitchFamily="49" charset="0"/>
-              </a:rPr>
-              <a:t>void</a:t>
-            </a:r>
-            <a:r>
-              <a:rPr lang="es-AR" sz="2000" dirty="0">
-                <a:solidFill>
-                  <a:srgbClr val="000000"/>
-                </a:solidFill>
-                <a:latin typeface="Consolas" panose="020B0609020204030204" pitchFamily="49" charset="0"/>
-              </a:rPr>
-              <a:t> </a:t>
-            </a:r>
-            <a:r>
-              <a:rPr lang="es-AR" sz="2000" dirty="0" err="1">
-                <a:solidFill>
-                  <a:srgbClr val="000000"/>
-                </a:solidFill>
-                <a:latin typeface="Consolas" panose="020B0609020204030204" pitchFamily="49" charset="0"/>
-              </a:rPr>
-              <a:t>Main</a:t>
-            </a:r>
-            <a:r>
-              <a:rPr lang="es-AR" sz="2000" dirty="0">
-                <a:solidFill>
-                  <a:srgbClr val="000000"/>
-                </a:solidFill>
-                <a:latin typeface="Consolas" panose="020B0609020204030204" pitchFamily="49" charset="0"/>
-              </a:rPr>
-              <a:t>()</a:t>
-            </a:r>
-          </a:p>
-          <a:p>
-            <a:pPr marL="76200" indent="0">
-              <a:spcBef>
-                <a:spcPts val="0"/>
-              </a:spcBef>
-              <a:buNone/>
-            </a:pPr>
-            <a:r>
-              <a:rPr lang="es-AR" sz="2000" dirty="0">
-                <a:solidFill>
-                  <a:srgbClr val="000000"/>
-                </a:solidFill>
-                <a:latin typeface="Consolas" panose="020B0609020204030204" pitchFamily="49" charset="0"/>
-              </a:rPr>
-              <a:t>    {</a:t>
-            </a:r>
-          </a:p>
-          <a:p>
-            <a:pPr marL="76200" indent="0">
-              <a:spcBef>
-                <a:spcPts val="0"/>
-              </a:spcBef>
-              <a:buNone/>
-            </a:pPr>
-            <a:r>
-              <a:rPr lang="es-AR" sz="2000" dirty="0" smtClean="0">
-                <a:solidFill>
-                  <a:srgbClr val="000000"/>
-                </a:solidFill>
-                <a:latin typeface="Consolas" panose="020B0609020204030204" pitchFamily="49" charset="0"/>
-              </a:rPr>
-              <a:t>        </a:t>
-            </a:r>
-            <a:r>
-              <a:rPr lang="es-AR" sz="2000" dirty="0" err="1" smtClean="0">
-                <a:solidFill>
-                  <a:srgbClr val="0000FF"/>
-                </a:solidFill>
-                <a:latin typeface="Consolas" panose="020B0609020204030204" pitchFamily="49" charset="0"/>
-              </a:rPr>
-              <a:t>Console</a:t>
-            </a:r>
-            <a:r>
-              <a:rPr lang="es-AR" sz="2000" dirty="0" err="1" smtClean="0">
-                <a:solidFill>
-                  <a:srgbClr val="000000"/>
-                </a:solidFill>
-                <a:latin typeface="Consolas" panose="020B0609020204030204" pitchFamily="49" charset="0"/>
-              </a:rPr>
-              <a:t>.WriteLine</a:t>
-            </a:r>
-            <a:r>
-              <a:rPr lang="es-AR" sz="2000" dirty="0" smtClean="0">
-                <a:solidFill>
-                  <a:srgbClr val="000000"/>
-                </a:solidFill>
-                <a:latin typeface="Consolas" panose="020B0609020204030204" pitchFamily="49" charset="0"/>
-              </a:rPr>
-              <a:t>(Sumar(1, </a:t>
-            </a:r>
-            <a:r>
-              <a:rPr lang="es-AR" sz="2000" dirty="0">
-                <a:solidFill>
-                  <a:srgbClr val="000000"/>
-                </a:solidFill>
-                <a:latin typeface="Consolas" panose="020B0609020204030204" pitchFamily="49" charset="0"/>
-              </a:rPr>
-              <a:t>2) + Sumar(1, 2, 3));</a:t>
-            </a:r>
-          </a:p>
-          <a:p>
-            <a:pPr marL="76200" indent="0">
-              <a:spcBef>
-                <a:spcPts val="0"/>
-              </a:spcBef>
-              <a:buNone/>
-            </a:pPr>
-            <a:r>
-              <a:rPr lang="es-AR" sz="2000" dirty="0">
-                <a:solidFill>
-                  <a:srgbClr val="000000"/>
-                </a:solidFill>
-                <a:latin typeface="Consolas" panose="020B0609020204030204" pitchFamily="49" charset="0"/>
-              </a:rPr>
-              <a:t>    }</a:t>
-            </a:r>
           </a:p>
           <a:p>
             <a:pPr marL="76200" indent="0">
@@ -10117,17 +9590,24 @@
     </p:spTree>
     <p:extLst>
       <p:ext uri="{BB962C8B-B14F-4D97-AF65-F5344CB8AC3E}">
-        <p14:creationId xmlns:p14="http://schemas.microsoft.com/office/powerpoint/2010/main" val="3323624835"/>
+        <p14:creationId xmlns:p14="http://schemas.microsoft.com/office/powerpoint/2010/main" val="452076932"/>
       </p:ext>
     </p:extLst>
   </p:cSld>
   <p:clrMapOvr>
     <a:masterClrMapping/>
   </p:clrMapOvr>
+  <p:timing>
+    <p:tnLst>
+      <p:par>
+        <p:cTn id="1" dur="indefinite" restart="never" nodeType="tmRoot"/>
+      </p:par>
+    </p:tnLst>
+  </p:timing>
 </p:sld>
 </file>
 
-<file path=ppt/slides/slide5.xml><?xml version="1.0" encoding="utf-8"?>
+<file path=ppt/slides/slide2.xml><?xml version="1.0" encoding="utf-8"?>
 <p:sld xmlns:a="http://schemas.openxmlformats.org/drawingml/2006/main" xmlns:r="http://schemas.openxmlformats.org/officeDocument/2006/relationships" xmlns:p="http://schemas.openxmlformats.org/presentationml/2006/main">
   <p:cSld>
     <p:spTree>
@@ -10161,22 +9641,394 @@
           <a:p>
             <a:r>
               <a:rPr lang="es-AR" dirty="0"/>
-              <a:t>Ejemplo </a:t>
-            </a:r>
+              <a:t>¿Qué es la Sobrecarga de Métodos?</a:t>
+            </a:r>
+          </a:p>
+        </p:txBody>
+      </p:sp>
+      <p:sp>
+        <p:nvSpPr>
+          <p:cNvPr id="3" name="Marcador de contenido 2"/>
+          <p:cNvSpPr>
+            <a:spLocks noGrp="1"/>
+          </p:cNvSpPr>
+          <p:nvPr>
+            <p:ph idx="1"/>
+          </p:nvPr>
+        </p:nvSpPr>
+        <p:spPr/>
+        <p:txBody>
+          <a:bodyPr/>
+          <a:lstStyle/>
+          <a:p>
+            <a:pPr>
+              <a:defRPr/>
+            </a:pPr>
+            <a:r>
+              <a:rPr lang="es-ES" dirty="0">
+                <a:effectLst>
+                  <a:outerShdw blurRad="38100" dist="38100" dir="2700000" algn="tl">
+                    <a:srgbClr val="000000">
+                      <a:alpha val="43137"/>
+                    </a:srgbClr>
+                  </a:outerShdw>
+                </a:effectLst>
+              </a:rPr>
+              <a:t>Los métodos no pueden tener el mismo nombre que otros elementos en una misma clase (atributos, propiedades, etc.).</a:t>
+            </a:r>
+          </a:p>
+          <a:p>
+            <a:pPr>
+              <a:defRPr/>
+            </a:pPr>
+            <a:endParaRPr lang="es-ES" dirty="0">
+              <a:effectLst>
+                <a:outerShdw blurRad="38100" dist="38100" dir="2700000" algn="tl">
+                  <a:srgbClr val="000000">
+                    <a:alpha val="43137"/>
+                  </a:srgbClr>
+                </a:outerShdw>
+              </a:effectLst>
+            </a:endParaRPr>
+          </a:p>
+          <a:p>
+            <a:pPr>
+              <a:defRPr/>
+            </a:pPr>
+            <a:r>
+              <a:rPr lang="es-ES" dirty="0">
+                <a:effectLst>
+                  <a:outerShdw blurRad="38100" dist="38100" dir="2700000" algn="tl">
+                    <a:srgbClr val="000000">
+                      <a:alpha val="43137"/>
+                    </a:srgbClr>
+                  </a:outerShdw>
+                </a:effectLst>
+              </a:rPr>
+              <a:t>Sin embargo, dos o más métodos en una clase sí pueden compartir el mismo nombre</a:t>
+            </a:r>
+            <a:r>
+              <a:rPr lang="es-ES" dirty="0" smtClean="0">
+                <a:effectLst>
+                  <a:outerShdw blurRad="38100" dist="38100" dir="2700000" algn="tl">
+                    <a:srgbClr val="000000">
+                      <a:alpha val="43137"/>
+                    </a:srgbClr>
+                  </a:outerShdw>
+                </a:effectLst>
+              </a:rPr>
+              <a:t>.</a:t>
+            </a:r>
+            <a:endParaRPr lang="es-ES" dirty="0">
+              <a:effectLst>
+                <a:outerShdw blurRad="38100" dist="38100" dir="2700000" algn="tl">
+                  <a:srgbClr val="000000">
+                    <a:alpha val="43137"/>
+                  </a:srgbClr>
+                </a:outerShdw>
+              </a:effectLst>
+            </a:endParaRPr>
+          </a:p>
+          <a:p>
+            <a:pPr>
+              <a:defRPr/>
+            </a:pPr>
+            <a:endParaRPr lang="es-ES" dirty="0">
+              <a:effectLst>
+                <a:outerShdw blurRad="38100" dist="38100" dir="2700000" algn="tl">
+                  <a:srgbClr val="000000">
+                    <a:alpha val="43137"/>
+                  </a:srgbClr>
+                </a:outerShdw>
+              </a:effectLst>
+            </a:endParaRPr>
+          </a:p>
+          <a:p>
+            <a:pPr>
+              <a:defRPr/>
+            </a:pPr>
+            <a:r>
+              <a:rPr lang="es-ES" dirty="0">
+                <a:effectLst>
+                  <a:outerShdw blurRad="38100" dist="38100" dir="2700000" algn="tl">
+                    <a:srgbClr val="000000">
+                      <a:alpha val="43137"/>
+                    </a:srgbClr>
+                  </a:outerShdw>
+                </a:effectLst>
+              </a:rPr>
+              <a:t>A esto se le da el nombre de </a:t>
+            </a:r>
+            <a:r>
+              <a:rPr lang="es-ES" b="1" dirty="0">
+                <a:effectLst>
+                  <a:outerShdw blurRad="38100" dist="38100" dir="2700000" algn="tl">
+                    <a:srgbClr val="000000">
+                      <a:alpha val="43137"/>
+                    </a:srgbClr>
+                  </a:outerShdw>
+                </a:effectLst>
+              </a:rPr>
+              <a:t>sobrecarga</a:t>
+            </a:r>
+            <a:r>
+              <a:rPr lang="es-ES" dirty="0" smtClean="0">
+                <a:effectLst>
+                  <a:outerShdw blurRad="38100" dist="38100" dir="2700000" algn="tl">
+                    <a:srgbClr val="000000">
+                      <a:alpha val="43137"/>
+                    </a:srgbClr>
+                  </a:outerShdw>
+                </a:effectLst>
+              </a:rPr>
+              <a:t>.</a:t>
+            </a:r>
+            <a:endParaRPr lang="es-ES" dirty="0">
+              <a:effectLst>
+                <a:outerShdw blurRad="38100" dist="38100" dir="2700000" algn="tl">
+                  <a:srgbClr val="000000">
+                    <a:alpha val="43137"/>
+                  </a:srgbClr>
+                </a:outerShdw>
+              </a:effectLst>
+            </a:endParaRPr>
+          </a:p>
+        </p:txBody>
+      </p:sp>
+    </p:spTree>
+    <p:extLst>
+      <p:ext uri="{BB962C8B-B14F-4D97-AF65-F5344CB8AC3E}">
+        <p14:creationId xmlns:p14="http://schemas.microsoft.com/office/powerpoint/2010/main" val="4192996845"/>
+      </p:ext>
+    </p:extLst>
+  </p:cSld>
+  <p:clrMapOvr>
+    <a:masterClrMapping/>
+  </p:clrMapOvr>
+  <p:timing>
+    <p:tnLst>
+      <p:par>
+        <p:cTn id="1" dur="indefinite" restart="never" nodeType="tmRoot"/>
+      </p:par>
+    </p:tnLst>
+  </p:timing>
+</p:sld>
+</file>
+
+<file path=ppt/slides/slide3.xml><?xml version="1.0" encoding="utf-8"?>
+<p:sld xmlns:a="http://schemas.openxmlformats.org/drawingml/2006/main" xmlns:r="http://schemas.openxmlformats.org/officeDocument/2006/relationships" xmlns:p="http://schemas.openxmlformats.org/presentationml/2006/main">
+  <p:cSld>
+    <p:spTree>
+      <p:nvGrpSpPr>
+        <p:cNvPr id="1" name=""/>
+        <p:cNvGrpSpPr/>
+        <p:nvPr/>
+      </p:nvGrpSpPr>
+      <p:grpSpPr>
+        <a:xfrm>
+          <a:off x="0" y="0"/>
+          <a:ext cx="0" cy="0"/>
+          <a:chOff x="0" y="0"/>
+          <a:chExt cx="0" cy="0"/>
+        </a:xfrm>
+      </p:grpSpPr>
+      <p:sp>
+        <p:nvSpPr>
+          <p:cNvPr id="2" name="Título 1"/>
+          <p:cNvSpPr>
+            <a:spLocks noGrp="1"/>
+          </p:cNvSpPr>
+          <p:nvPr>
+            <p:ph type="title"/>
+          </p:nvPr>
+        </p:nvSpPr>
+        <p:spPr/>
+        <p:txBody>
+          <a:bodyPr/>
+          <a:lstStyle/>
+          <a:p>
+            <a:r>
+              <a:rPr lang="es-AR" dirty="0"/>
+              <a:t>Declaración de Métodos Sobrecargados</a:t>
+            </a:r>
+          </a:p>
+        </p:txBody>
+      </p:sp>
+      <p:sp>
+        <p:nvSpPr>
+          <p:cNvPr id="3" name="Marcador de contenido 2"/>
+          <p:cNvSpPr>
+            <a:spLocks noGrp="1"/>
+          </p:cNvSpPr>
+          <p:nvPr>
+            <p:ph idx="1"/>
+          </p:nvPr>
+        </p:nvSpPr>
+        <p:spPr/>
+        <p:txBody>
+          <a:bodyPr/>
+          <a:lstStyle/>
+          <a:p>
+            <a:pPr>
+              <a:defRPr/>
+            </a:pPr>
+            <a:r>
+              <a:rPr lang="es-ES" dirty="0">
+                <a:effectLst>
+                  <a:outerShdw blurRad="38100" dist="38100" dir="2700000" algn="tl">
+                    <a:srgbClr val="000000">
+                      <a:alpha val="43137"/>
+                    </a:srgbClr>
+                  </a:outerShdw>
+                </a:effectLst>
+              </a:rPr>
+              <a:t>Los métodos se sobrecargan cambiando el número, el tipo y el orden de los parámetros (se cambia la firma del método</a:t>
+            </a:r>
+            <a:r>
+              <a:rPr lang="es-ES" dirty="0" smtClean="0">
+                <a:effectLst>
+                  <a:outerShdw blurRad="38100" dist="38100" dir="2700000" algn="tl">
+                    <a:srgbClr val="000000">
+                      <a:alpha val="43137"/>
+                    </a:srgbClr>
+                  </a:outerShdw>
+                </a:effectLst>
+              </a:rPr>
+              <a:t>).</a:t>
+            </a:r>
+            <a:endParaRPr lang="es-ES" dirty="0">
+              <a:effectLst>
+                <a:outerShdw blurRad="38100" dist="38100" dir="2700000" algn="tl">
+                  <a:srgbClr val="000000">
+                    <a:alpha val="43137"/>
+                  </a:srgbClr>
+                </a:outerShdw>
+              </a:effectLst>
+            </a:endParaRPr>
+          </a:p>
+          <a:p>
+            <a:pPr>
+              <a:defRPr/>
+            </a:pPr>
+            <a:endParaRPr lang="es-ES" sz="2000" dirty="0">
+              <a:effectLst>
+                <a:outerShdw blurRad="38100" dist="38100" dir="2700000" algn="tl">
+                  <a:srgbClr val="000000">
+                    <a:alpha val="43137"/>
+                  </a:srgbClr>
+                </a:outerShdw>
+              </a:effectLst>
+            </a:endParaRPr>
+          </a:p>
+          <a:p>
+            <a:pPr>
+              <a:defRPr/>
+            </a:pPr>
+            <a:r>
+              <a:rPr lang="es-ES" dirty="0">
+                <a:effectLst>
+                  <a:outerShdw blurRad="38100" dist="38100" dir="2700000" algn="tl">
+                    <a:srgbClr val="000000">
+                      <a:alpha val="43137"/>
+                    </a:srgbClr>
+                  </a:outerShdw>
+                </a:effectLst>
+              </a:rPr>
+              <a:t>El compilador de C# distingue métodos sobrecargados comparando las listas de parámetros</a:t>
+            </a:r>
+            <a:r>
+              <a:rPr lang="es-ES" dirty="0" smtClean="0">
+                <a:effectLst>
+                  <a:outerShdw blurRad="38100" dist="38100" dir="2700000" algn="tl">
+                    <a:srgbClr val="000000">
+                      <a:alpha val="43137"/>
+                    </a:srgbClr>
+                  </a:outerShdw>
+                </a:effectLst>
+              </a:rPr>
+              <a:t>.</a:t>
+            </a:r>
+            <a:endParaRPr lang="es-ES" dirty="0">
+              <a:effectLst>
+                <a:outerShdw blurRad="38100" dist="38100" dir="2700000" algn="tl">
+                  <a:srgbClr val="000000">
+                    <a:alpha val="43137"/>
+                  </a:srgbClr>
+                </a:outerShdw>
+              </a:effectLst>
+            </a:endParaRPr>
+          </a:p>
+          <a:p>
+            <a:pPr marL="0" indent="0">
+              <a:buNone/>
+            </a:pPr>
+            <a:endParaRPr lang="es-AR" dirty="0"/>
+          </a:p>
+        </p:txBody>
+      </p:sp>
+    </p:spTree>
+    <p:extLst>
+      <p:ext uri="{BB962C8B-B14F-4D97-AF65-F5344CB8AC3E}">
+        <p14:creationId xmlns:p14="http://schemas.microsoft.com/office/powerpoint/2010/main" val="1630496682"/>
+      </p:ext>
+    </p:extLst>
+  </p:cSld>
+  <p:clrMapOvr>
+    <a:masterClrMapping/>
+  </p:clrMapOvr>
+  <p:timing>
+    <p:tnLst>
+      <p:par>
+        <p:cTn id="1" dur="indefinite" restart="never" nodeType="tmRoot"/>
+      </p:par>
+    </p:tnLst>
+  </p:timing>
+</p:sld>
+</file>
+
+<file path=ppt/slides/slide4.xml><?xml version="1.0" encoding="utf-8"?>
+<p:sld xmlns:a="http://schemas.openxmlformats.org/drawingml/2006/main" xmlns:r="http://schemas.openxmlformats.org/officeDocument/2006/relationships" xmlns:p="http://schemas.openxmlformats.org/presentationml/2006/main">
+  <p:cSld>
+    <p:spTree>
+      <p:nvGrpSpPr>
+        <p:cNvPr id="1" name=""/>
+        <p:cNvGrpSpPr/>
+        <p:nvPr/>
+      </p:nvGrpSpPr>
+      <p:grpSpPr>
+        <a:xfrm>
+          <a:off x="0" y="0"/>
+          <a:ext cx="0" cy="0"/>
+          <a:chOff x="0" y="0"/>
+          <a:chExt cx="0" cy="0"/>
+        </a:xfrm>
+      </p:grpSpPr>
+      <p:sp>
+        <p:nvSpPr>
+          <p:cNvPr id="2" name="Título 1"/>
+          <p:cNvSpPr>
+            <a:spLocks noGrp="1"/>
+          </p:cNvSpPr>
+          <p:nvPr>
+            <p:ph type="title"/>
+          </p:nvPr>
+        </p:nvSpPr>
+        <p:spPr/>
+        <p:txBody>
+          <a:bodyPr/>
+          <a:lstStyle/>
+          <a:p>
             <a:r>
               <a:rPr lang="es-AR" dirty="0" smtClean="0"/>
-              <a:t>II: Tipos de </a:t>
-            </a:r>
-            <a:r>
-              <a:rPr lang="es-AR" dirty="0"/>
-              <a:t>parámetros</a:t>
-            </a:r>
+              <a:t>Ejemplo I: Cantidad de parámetros</a:t>
+            </a:r>
+            <a:endParaRPr lang="es-AR" dirty="0"/>
           </a:p>
         </p:txBody>
       </p:sp>
       <p:sp>
         <p:nvSpPr>
-          <p:cNvPr id="4" name="Google Shape;408;p22"/>
+          <p:cNvPr id="5" name="Google Shape;408;p22"/>
           <p:cNvSpPr txBox="1">
             <a:spLocks/>
           </p:cNvSpPr>
@@ -10680,7 +10532,7 @@
               <a:buNone/>
             </a:pPr>
             <a:r>
-              <a:rPr lang="pt-BR" sz="2000" dirty="0">
+              <a:rPr lang="es-AR" sz="2000" dirty="0">
                 <a:solidFill>
                   <a:srgbClr val="000000"/>
                 </a:solidFill>
@@ -10689,7 +10541,7 @@
               <a:t>        </a:t>
             </a:r>
             <a:r>
-              <a:rPr lang="pt-BR" sz="2000" dirty="0" err="1">
+              <a:rPr lang="es-AR" sz="2000" dirty="0" err="1">
                 <a:solidFill>
                   <a:srgbClr val="0000FF"/>
                 </a:solidFill>
@@ -10698,47 +10550,14 @@
               <a:t>return</a:t>
             </a:r>
             <a:r>
-              <a:rPr lang="pt-BR" sz="2000" dirty="0">
-                <a:solidFill>
-                  <a:srgbClr val="000000"/>
-                </a:solidFill>
-                <a:latin typeface="Consolas" panose="020B0609020204030204" pitchFamily="49" charset="0"/>
-              </a:rPr>
-              <a:t> a + b; </a:t>
-            </a:r>
-            <a:r>
-              <a:rPr lang="pt-BR" sz="2000" dirty="0" smtClean="0">
-                <a:solidFill>
-                  <a:srgbClr val="008000"/>
-                </a:solidFill>
-                <a:latin typeface="Consolas" panose="020B0609020204030204" pitchFamily="49" charset="0"/>
-              </a:rPr>
-              <a:t>//</a:t>
-            </a:r>
-            <a:r>
-              <a:rPr lang="pt-BR" sz="2000" dirty="0">
-                <a:solidFill>
-                  <a:srgbClr val="008000"/>
-                </a:solidFill>
-                <a:latin typeface="Consolas" panose="020B0609020204030204" pitchFamily="49" charset="0"/>
-              </a:rPr>
-              <a:t>de tipo </a:t>
-            </a:r>
-            <a:r>
-              <a:rPr lang="pt-BR" sz="2000" dirty="0" err="1">
-                <a:solidFill>
-                  <a:srgbClr val="008000"/>
-                </a:solidFill>
-                <a:latin typeface="Consolas" panose="020B0609020204030204" pitchFamily="49" charset="0"/>
-              </a:rPr>
-              <a:t>int</a:t>
-            </a:r>
-            <a:endParaRPr lang="pt-BR" sz="2000" dirty="0">
-              <a:solidFill>
-                <a:srgbClr val="000000"/>
-              </a:solidFill>
-              <a:latin typeface="Consolas" panose="020B0609020204030204" pitchFamily="49" charset="0"/>
-            </a:endParaRPr>
+              <a:rPr lang="es-AR" sz="2000" dirty="0">
+                <a:solidFill>
+                  <a:srgbClr val="000000"/>
+                </a:solidFill>
+                <a:latin typeface="Consolas" panose="020B0609020204030204" pitchFamily="49" charset="0"/>
+              </a:rPr>
+              <a:t> a + b;</a:t>
+            </a:r>
           </a:p>
           <a:p>
             <a:pPr marL="76200" indent="0">
@@ -10754,149 +10573,16 @@
                 </a:solidFill>
                 <a:latin typeface="Consolas" panose="020B0609020204030204" pitchFamily="49" charset="0"/>
               </a:rPr>
-              <a:t>    }</a:t>
-            </a:r>
-          </a:p>
-          <a:p>
-            <a:pPr marL="76200" indent="0">
-              <a:spcBef>
-                <a:spcPts val="0"/>
-              </a:spcBef>
-              <a:buNone/>
-            </a:pPr>
-            <a:r>
-              <a:rPr lang="en-US" sz="2000" dirty="0">
-                <a:solidFill>
-                  <a:srgbClr val="000000"/>
-                </a:solidFill>
-                <a:latin typeface="Consolas" panose="020B0609020204030204" pitchFamily="49" charset="0"/>
-              </a:rPr>
               <a:t>    </a:t>
             </a:r>
             <a:r>
-              <a:rPr lang="en-US" sz="2000" dirty="0">
-                <a:solidFill>
-                  <a:srgbClr val="0000FF"/>
-                </a:solidFill>
-                <a:latin typeface="Consolas" panose="020B0609020204030204" pitchFamily="49" charset="0"/>
-              </a:rPr>
-              <a:t>static</a:t>
-            </a:r>
-            <a:r>
-              <a:rPr lang="en-US" sz="2000" dirty="0">
-                <a:solidFill>
-                  <a:srgbClr val="000000"/>
-                </a:solidFill>
-                <a:latin typeface="Consolas" panose="020B0609020204030204" pitchFamily="49" charset="0"/>
-              </a:rPr>
-              <a:t> </a:t>
-            </a:r>
-            <a:r>
-              <a:rPr lang="en-US" sz="2000" dirty="0" err="1">
-                <a:solidFill>
-                  <a:srgbClr val="0000FF"/>
-                </a:solidFill>
-                <a:latin typeface="Consolas" panose="020B0609020204030204" pitchFamily="49" charset="0"/>
-              </a:rPr>
-              <a:t>int</a:t>
-            </a:r>
-            <a:r>
-              <a:rPr lang="en-US" sz="2000" dirty="0">
-                <a:solidFill>
-                  <a:srgbClr val="000000"/>
-                </a:solidFill>
-                <a:latin typeface="Consolas" panose="020B0609020204030204" pitchFamily="49" charset="0"/>
-              </a:rPr>
-              <a:t> </a:t>
-            </a:r>
-            <a:r>
-              <a:rPr lang="en-US" sz="2000" dirty="0" err="1">
-                <a:solidFill>
-                  <a:srgbClr val="000000"/>
-                </a:solidFill>
-                <a:latin typeface="Consolas" panose="020B0609020204030204" pitchFamily="49" charset="0"/>
-              </a:rPr>
-              <a:t>Sumar</a:t>
-            </a:r>
-            <a:r>
-              <a:rPr lang="en-US" sz="2000" dirty="0">
-                <a:solidFill>
-                  <a:srgbClr val="000000"/>
-                </a:solidFill>
-                <a:latin typeface="Consolas" panose="020B0609020204030204" pitchFamily="49" charset="0"/>
-              </a:rPr>
-              <a:t>(</a:t>
-            </a:r>
-            <a:r>
-              <a:rPr lang="en-US" sz="2000" dirty="0">
-                <a:solidFill>
-                  <a:srgbClr val="0000FF"/>
-                </a:solidFill>
-                <a:latin typeface="Consolas" panose="020B0609020204030204" pitchFamily="49" charset="0"/>
-              </a:rPr>
-              <a:t>float</a:t>
-            </a:r>
-            <a:r>
-              <a:rPr lang="en-US" sz="2000" dirty="0">
-                <a:solidFill>
-                  <a:srgbClr val="000000"/>
-                </a:solidFill>
-                <a:latin typeface="Consolas" panose="020B0609020204030204" pitchFamily="49" charset="0"/>
-              </a:rPr>
-              <a:t> a, </a:t>
-            </a:r>
-            <a:r>
-              <a:rPr lang="en-US" sz="2000" dirty="0">
-                <a:solidFill>
-                  <a:srgbClr val="0000FF"/>
-                </a:solidFill>
-                <a:latin typeface="Consolas" panose="020B0609020204030204" pitchFamily="49" charset="0"/>
-              </a:rPr>
-              <a:t>float</a:t>
-            </a:r>
-            <a:r>
-              <a:rPr lang="en-US" sz="2000" dirty="0">
-                <a:solidFill>
-                  <a:srgbClr val="000000"/>
-                </a:solidFill>
-                <a:latin typeface="Consolas" panose="020B0609020204030204" pitchFamily="49" charset="0"/>
-              </a:rPr>
-              <a:t> b)</a:t>
-            </a:r>
-          </a:p>
-          <a:p>
-            <a:pPr marL="76200" indent="0">
-              <a:spcBef>
-                <a:spcPts val="0"/>
-              </a:spcBef>
-              <a:buNone/>
-            </a:pPr>
-            <a:r>
-              <a:rPr lang="es-AR" sz="2000" dirty="0">
-                <a:solidFill>
-                  <a:srgbClr val="000000"/>
-                </a:solidFill>
-                <a:latin typeface="Consolas" panose="020B0609020204030204" pitchFamily="49" charset="0"/>
-              </a:rPr>
-              <a:t>    {   </a:t>
-            </a:r>
-            <a:r>
               <a:rPr lang="es-AR" sz="2000" dirty="0" smtClean="0">
                 <a:solidFill>
-                  <a:srgbClr val="008000"/>
-                </a:solidFill>
-                <a:latin typeface="Consolas" panose="020B0609020204030204" pitchFamily="49" charset="0"/>
-              </a:rPr>
-              <a:t>// Método </a:t>
-            </a:r>
-            <a:r>
-              <a:rPr lang="es-AR" sz="2000" dirty="0">
-                <a:solidFill>
-                  <a:srgbClr val="008000"/>
-                </a:solidFill>
-                <a:latin typeface="Consolas" panose="020B0609020204030204" pitchFamily="49" charset="0"/>
-              </a:rPr>
-              <a:t>con dos parámetros</a:t>
+                  <a:srgbClr val="000000"/>
+                </a:solidFill>
+                <a:latin typeface="Consolas" panose="020B0609020204030204" pitchFamily="49" charset="0"/>
+              </a:rPr>
+              <a:t>}</a:t>
             </a:r>
             <a:endParaRPr lang="es-AR" sz="2000" dirty="0">
               <a:solidFill>
@@ -10913,76 +10599,183 @@
               <a:buNone/>
             </a:pPr>
             <a:r>
+              <a:rPr lang="en-US" sz="2000" dirty="0">
+                <a:solidFill>
+                  <a:srgbClr val="000000"/>
+                </a:solidFill>
+                <a:latin typeface="Consolas" panose="020B0609020204030204" pitchFamily="49" charset="0"/>
+              </a:rPr>
+              <a:t>    </a:t>
+            </a:r>
+            <a:r>
+              <a:rPr lang="en-US" sz="2000" dirty="0">
+                <a:solidFill>
+                  <a:srgbClr val="0000FF"/>
+                </a:solidFill>
+                <a:latin typeface="Consolas" panose="020B0609020204030204" pitchFamily="49" charset="0"/>
+              </a:rPr>
+              <a:t>static</a:t>
+            </a:r>
+            <a:r>
+              <a:rPr lang="en-US" sz="2000" dirty="0">
+                <a:solidFill>
+                  <a:srgbClr val="000000"/>
+                </a:solidFill>
+                <a:latin typeface="Consolas" panose="020B0609020204030204" pitchFamily="49" charset="0"/>
+              </a:rPr>
+              <a:t> </a:t>
+            </a:r>
+            <a:r>
+              <a:rPr lang="en-US" sz="2000" dirty="0" err="1">
+                <a:solidFill>
+                  <a:srgbClr val="0000FF"/>
+                </a:solidFill>
+                <a:latin typeface="Consolas" panose="020B0609020204030204" pitchFamily="49" charset="0"/>
+              </a:rPr>
+              <a:t>int</a:t>
+            </a:r>
+            <a:r>
+              <a:rPr lang="en-US" sz="2000" dirty="0">
+                <a:solidFill>
+                  <a:srgbClr val="000000"/>
+                </a:solidFill>
+                <a:latin typeface="Consolas" panose="020B0609020204030204" pitchFamily="49" charset="0"/>
+              </a:rPr>
+              <a:t> </a:t>
+            </a:r>
+            <a:r>
+              <a:rPr lang="en-US" sz="2000" dirty="0" err="1">
+                <a:solidFill>
+                  <a:srgbClr val="000000"/>
+                </a:solidFill>
+                <a:latin typeface="Consolas" panose="020B0609020204030204" pitchFamily="49" charset="0"/>
+              </a:rPr>
+              <a:t>Sumar</a:t>
+            </a:r>
+            <a:r>
+              <a:rPr lang="en-US" sz="2000" dirty="0">
+                <a:solidFill>
+                  <a:srgbClr val="000000"/>
+                </a:solidFill>
+                <a:latin typeface="Consolas" panose="020B0609020204030204" pitchFamily="49" charset="0"/>
+              </a:rPr>
+              <a:t>(</a:t>
+            </a:r>
+            <a:r>
+              <a:rPr lang="en-US" sz="2000" dirty="0" err="1">
+                <a:solidFill>
+                  <a:srgbClr val="0000FF"/>
+                </a:solidFill>
+                <a:latin typeface="Consolas" panose="020B0609020204030204" pitchFamily="49" charset="0"/>
+              </a:rPr>
+              <a:t>int</a:t>
+            </a:r>
+            <a:r>
+              <a:rPr lang="en-US" sz="2000" dirty="0">
+                <a:solidFill>
+                  <a:srgbClr val="000000"/>
+                </a:solidFill>
+                <a:latin typeface="Consolas" panose="020B0609020204030204" pitchFamily="49" charset="0"/>
+              </a:rPr>
+              <a:t> a, </a:t>
+            </a:r>
+            <a:r>
+              <a:rPr lang="en-US" sz="2000" dirty="0" err="1">
+                <a:solidFill>
+                  <a:srgbClr val="0000FF"/>
+                </a:solidFill>
+                <a:latin typeface="Consolas" panose="020B0609020204030204" pitchFamily="49" charset="0"/>
+              </a:rPr>
+              <a:t>int</a:t>
+            </a:r>
+            <a:r>
+              <a:rPr lang="en-US" sz="2000" dirty="0">
+                <a:solidFill>
+                  <a:srgbClr val="000000"/>
+                </a:solidFill>
+                <a:latin typeface="Consolas" panose="020B0609020204030204" pitchFamily="49" charset="0"/>
+              </a:rPr>
+              <a:t> b, </a:t>
+            </a:r>
+            <a:r>
+              <a:rPr lang="en-US" sz="2000" dirty="0" err="1">
+                <a:solidFill>
+                  <a:srgbClr val="0000FF"/>
+                </a:solidFill>
+                <a:latin typeface="Consolas" panose="020B0609020204030204" pitchFamily="49" charset="0"/>
+              </a:rPr>
+              <a:t>int</a:t>
+            </a:r>
+            <a:r>
+              <a:rPr lang="en-US" sz="2000" dirty="0">
+                <a:solidFill>
+                  <a:srgbClr val="000000"/>
+                </a:solidFill>
+                <a:latin typeface="Consolas" panose="020B0609020204030204" pitchFamily="49" charset="0"/>
+              </a:rPr>
+              <a:t> c)</a:t>
+            </a:r>
+          </a:p>
+          <a:p>
+            <a:pPr marL="76200" indent="0">
+              <a:spcBef>
+                <a:spcPts val="0"/>
+              </a:spcBef>
+              <a:buNone/>
+            </a:pPr>
+            <a:r>
               <a:rPr lang="es-AR" sz="2000" dirty="0">
                 <a:solidFill>
                   <a:srgbClr val="000000"/>
                 </a:solidFill>
                 <a:latin typeface="Consolas" panose="020B0609020204030204" pitchFamily="49" charset="0"/>
               </a:rPr>
-              <a:t>        </a:t>
-            </a:r>
-            <a:r>
-              <a:rPr lang="es-AR" sz="2000" dirty="0" err="1">
-                <a:solidFill>
-                  <a:srgbClr val="0000FF"/>
-                </a:solidFill>
-                <a:latin typeface="Consolas" panose="020B0609020204030204" pitchFamily="49" charset="0"/>
-              </a:rPr>
-              <a:t>return</a:t>
+              <a:t>    {  </a:t>
+            </a:r>
+            <a:r>
+              <a:rPr lang="es-AR" sz="2000" dirty="0" smtClean="0">
+                <a:solidFill>
+                  <a:srgbClr val="000000"/>
+                </a:solidFill>
+                <a:latin typeface="Consolas" panose="020B0609020204030204" pitchFamily="49" charset="0"/>
+              </a:rPr>
+              <a:t> </a:t>
+            </a:r>
+            <a:r>
+              <a:rPr lang="es-AR" sz="2000" dirty="0" smtClean="0">
+                <a:solidFill>
+                  <a:srgbClr val="008000"/>
+                </a:solidFill>
+                <a:latin typeface="Consolas" panose="020B0609020204030204" pitchFamily="49" charset="0"/>
+              </a:rPr>
+              <a:t>//</a:t>
             </a:r>
             <a:r>
               <a:rPr lang="es-AR" sz="2000" dirty="0">
                 <a:solidFill>
-                  <a:srgbClr val="000000"/>
-                </a:solidFill>
-                <a:latin typeface="Consolas" panose="020B0609020204030204" pitchFamily="49" charset="0"/>
-              </a:rPr>
-              <a:t> (</a:t>
-            </a:r>
-            <a:r>
-              <a:rPr lang="es-AR" sz="2000" dirty="0" err="1">
-                <a:solidFill>
-                  <a:srgbClr val="0000FF"/>
-                </a:solidFill>
-                <a:latin typeface="Consolas" panose="020B0609020204030204" pitchFamily="49" charset="0"/>
-              </a:rPr>
-              <a:t>int</a:t>
+                  <a:srgbClr val="008000"/>
+                </a:solidFill>
+                <a:latin typeface="Consolas" panose="020B0609020204030204" pitchFamily="49" charset="0"/>
+              </a:rPr>
+              <a:t> M</a:t>
+            </a:r>
+            <a:r>
+              <a:rPr lang="es-AR" sz="2000" dirty="0" smtClean="0">
+                <a:solidFill>
+                  <a:srgbClr val="008000"/>
+                </a:solidFill>
+                <a:latin typeface="Consolas" panose="020B0609020204030204" pitchFamily="49" charset="0"/>
+              </a:rPr>
+              <a:t>étodo </a:t>
             </a:r>
             <a:r>
               <a:rPr lang="es-AR" sz="2000" dirty="0">
                 <a:solidFill>
-                  <a:srgbClr val="000000"/>
-                </a:solidFill>
-                <a:latin typeface="Consolas" panose="020B0609020204030204" pitchFamily="49" charset="0"/>
-              </a:rPr>
-              <a:t>)(a + b); </a:t>
-            </a:r>
-            <a:r>
-              <a:rPr lang="es-AR" sz="2000" dirty="0" smtClean="0">
-                <a:solidFill>
                   <a:srgbClr val="008000"/>
                 </a:solidFill>
                 <a:latin typeface="Consolas" panose="020B0609020204030204" pitchFamily="49" charset="0"/>
               </a:rPr>
-              <a:t>//</a:t>
-            </a:r>
-            <a:r>
-              <a:rPr lang="es-AR" sz="2000" dirty="0">
-                <a:solidFill>
-                  <a:srgbClr val="008000"/>
-                </a:solidFill>
-                <a:latin typeface="Consolas" panose="020B0609020204030204" pitchFamily="49" charset="0"/>
-              </a:rPr>
-              <a:t>de tipo </a:t>
-            </a:r>
-            <a:r>
-              <a:rPr lang="es-AR" sz="2000" dirty="0" err="1">
-                <a:solidFill>
-                  <a:srgbClr val="008000"/>
-                </a:solidFill>
-                <a:latin typeface="Consolas" panose="020B0609020204030204" pitchFamily="49" charset="0"/>
-              </a:rPr>
-              <a:t>float</a:t>
+              <a:t>con tres parámetros</a:t>
             </a:r>
             <a:endParaRPr lang="es-AR" sz="2000" dirty="0">
               <a:solidFill>
@@ -11005,7 +10798,25 @@
                 </a:solidFill>
                 <a:latin typeface="Consolas" panose="020B0609020204030204" pitchFamily="49" charset="0"/>
               </a:rPr>
-              <a:t>    }</a:t>
+              <a:t>        </a:t>
+            </a:r>
+            <a:r>
+              <a:rPr lang="es-AR" sz="2000" dirty="0" err="1">
+                <a:solidFill>
+                  <a:srgbClr val="0000FF"/>
+                </a:solidFill>
+                <a:latin typeface="Consolas" panose="020B0609020204030204" pitchFamily="49" charset="0"/>
+              </a:rPr>
+              <a:t>return</a:t>
+            </a:r>
+            <a:r>
+              <a:rPr lang="es-AR" sz="2000" dirty="0">
+                <a:solidFill>
+                  <a:srgbClr val="000000"/>
+                </a:solidFill>
+                <a:latin typeface="Consolas" panose="020B0609020204030204" pitchFamily="49" charset="0"/>
+              </a:rPr>
+              <a:t> a + b + c;</a:t>
             </a:r>
           </a:p>
           <a:p>
@@ -11025,58 +10836,13 @@
               <a:t>    </a:t>
             </a:r>
             <a:r>
-              <a:rPr lang="es-AR" sz="2000" dirty="0" err="1">
-                <a:solidFill>
-                  <a:srgbClr val="0000FF"/>
-                </a:solidFill>
-                <a:latin typeface="Consolas" panose="020B0609020204030204" pitchFamily="49" charset="0"/>
-              </a:rPr>
-              <a:t>static</a:t>
-            </a:r>
-            <a:r>
-              <a:rPr lang="es-AR" sz="2000" dirty="0">
-                <a:solidFill>
-                  <a:srgbClr val="000000"/>
-                </a:solidFill>
-                <a:latin typeface="Consolas" panose="020B0609020204030204" pitchFamily="49" charset="0"/>
-              </a:rPr>
-              <a:t> </a:t>
-            </a:r>
-            <a:r>
-              <a:rPr lang="es-AR" sz="2000" dirty="0" err="1">
-                <a:solidFill>
-                  <a:srgbClr val="0000FF"/>
-                </a:solidFill>
-                <a:latin typeface="Consolas" panose="020B0609020204030204" pitchFamily="49" charset="0"/>
-              </a:rPr>
-              <a:t>void</a:t>
-            </a:r>
-            <a:r>
-              <a:rPr lang="es-AR" sz="2000" dirty="0">
-                <a:solidFill>
-                  <a:srgbClr val="000000"/>
-                </a:solidFill>
-                <a:latin typeface="Consolas" panose="020B0609020204030204" pitchFamily="49" charset="0"/>
-              </a:rPr>
-              <a:t> </a:t>
-            </a:r>
-            <a:r>
-              <a:rPr lang="es-AR" sz="2000" dirty="0" err="1">
-                <a:solidFill>
-                  <a:srgbClr val="000000"/>
-                </a:solidFill>
-                <a:latin typeface="Consolas" panose="020B0609020204030204" pitchFamily="49" charset="0"/>
-              </a:rPr>
-              <a:t>Main</a:t>
-            </a:r>
-            <a:r>
-              <a:rPr lang="es-AR" sz="2000" dirty="0">
-                <a:solidFill>
-                  <a:srgbClr val="000000"/>
-                </a:solidFill>
-                <a:latin typeface="Consolas" panose="020B0609020204030204" pitchFamily="49" charset="0"/>
-              </a:rPr>
-              <a:t>()</a:t>
+              <a:rPr lang="es-AR" sz="2000" dirty="0" smtClean="0">
+                <a:solidFill>
+                  <a:srgbClr val="000000"/>
+                </a:solidFill>
+                <a:latin typeface="Consolas" panose="020B0609020204030204" pitchFamily="49" charset="0"/>
+              </a:rPr>
+              <a:t>}</a:t>
             </a:r>
           </a:p>
           <a:p>
@@ -11087,13 +10853,13 @@
               <a:buNone/>
             </a:pPr>
             <a:r>
-              <a:rPr lang="es-AR" sz="2000" dirty="0">
-                <a:solidFill>
-                  <a:srgbClr val="000000"/>
-                </a:solidFill>
-                <a:latin typeface="Consolas" panose="020B0609020204030204" pitchFamily="49" charset="0"/>
-              </a:rPr>
-              <a:t>    {</a:t>
+              <a:rPr lang="es-AR" sz="2000" dirty="0" smtClean="0">
+                <a:solidFill>
+                  <a:srgbClr val="000000"/>
+                </a:solidFill>
+                <a:latin typeface="Consolas" panose="020B0609020204030204" pitchFamily="49" charset="0"/>
+              </a:rPr>
+              <a:t>}</a:t>
             </a:r>
           </a:p>
           <a:p>
@@ -11104,6 +10870,33 @@
               <a:buNone/>
             </a:pPr>
             <a:r>
+              <a:rPr lang="es-AR" sz="2000" dirty="0" err="1" smtClean="0">
+                <a:solidFill>
+                  <a:srgbClr val="0000FF"/>
+                </a:solidFill>
+                <a:latin typeface="Consolas" panose="020B0609020204030204" pitchFamily="49" charset="0"/>
+              </a:rPr>
+              <a:t>static</a:t>
+            </a:r>
+            <a:r>
+              <a:rPr lang="es-AR" sz="2000" dirty="0" smtClean="0">
+                <a:solidFill>
+                  <a:srgbClr val="000000"/>
+                </a:solidFill>
+                <a:latin typeface="Consolas" panose="020B0609020204030204" pitchFamily="49" charset="0"/>
+              </a:rPr>
+              <a:t> </a:t>
+            </a:r>
+            <a:r>
+              <a:rPr lang="es-AR" sz="2000" dirty="0" err="1">
+                <a:solidFill>
+                  <a:srgbClr val="0000FF"/>
+                </a:solidFill>
+                <a:latin typeface="Consolas" panose="020B0609020204030204" pitchFamily="49" charset="0"/>
+              </a:rPr>
+              <a:t>void</a:t>
+            </a:r>
+            <a:r>
               <a:rPr lang="es-AR" sz="2000" dirty="0">
                 <a:solidFill>
                   <a:srgbClr val="000000"/>
@@ -11113,40 +10906,13 @@
               <a:t> </a:t>
             </a:r>
             <a:r>
-              <a:rPr lang="es-AR" sz="2000" dirty="0" smtClean="0">
-                <a:solidFill>
-                  <a:srgbClr val="000000"/>
-                </a:solidFill>
-                <a:latin typeface="Consolas" panose="020B0609020204030204" pitchFamily="49" charset="0"/>
-              </a:rPr>
-              <a:t>       </a:t>
-            </a:r>
-            <a:r>
-              <a:rPr lang="es-AR" sz="2000" dirty="0" err="1" smtClean="0">
-                <a:solidFill>
-                  <a:srgbClr val="0000FF"/>
-                </a:solidFill>
-                <a:latin typeface="Consolas" panose="020B0609020204030204" pitchFamily="49" charset="0"/>
-              </a:rPr>
-              <a:t>Console</a:t>
-            </a:r>
-            <a:r>
-              <a:rPr lang="es-AR" sz="2000" dirty="0" err="1" smtClean="0">
-                <a:solidFill>
-                  <a:srgbClr val="000000"/>
-                </a:solidFill>
-                <a:latin typeface="Consolas" panose="020B0609020204030204" pitchFamily="49" charset="0"/>
-              </a:rPr>
-              <a:t>.WriteLine</a:t>
-            </a:r>
-            <a:r>
-              <a:rPr lang="es-AR" sz="2000" dirty="0" smtClean="0">
-                <a:solidFill>
-                  <a:srgbClr val="000000"/>
-                </a:solidFill>
-                <a:latin typeface="Consolas" panose="020B0609020204030204" pitchFamily="49" charset="0"/>
-              </a:rPr>
-              <a:t>(Sumar(1, </a:t>
+              <a:rPr lang="es-AR" sz="2000" dirty="0" err="1">
+                <a:solidFill>
+                  <a:srgbClr val="000000"/>
+                </a:solidFill>
+                <a:latin typeface="Consolas" panose="020B0609020204030204" pitchFamily="49" charset="0"/>
+              </a:rPr>
+              <a:t>Main</a:t>
             </a:r>
             <a:r>
               <a:rPr lang="es-AR" sz="2000" dirty="0">
@@ -11155,7 +10921,7 @@
                 </a:solidFill>
                 <a:latin typeface="Consolas" panose="020B0609020204030204" pitchFamily="49" charset="0"/>
               </a:rPr>
-              <a:t>2) + Sumar(1.0, 2.0));</a:t>
+              <a:t>()</a:t>
             </a:r>
           </a:p>
           <a:p>
@@ -11166,14 +10932,20 @@
               <a:buNone/>
             </a:pPr>
             <a:r>
-              <a:rPr lang="es-AR" sz="2000" dirty="0">
-                <a:solidFill>
-                  <a:srgbClr val="000000"/>
-                </a:solidFill>
-                <a:latin typeface="Consolas" panose="020B0609020204030204" pitchFamily="49" charset="0"/>
-              </a:rPr>
-              <a:t>    }</a:t>
-            </a:r>
+              <a:rPr lang="es-AR" sz="2000" dirty="0" smtClean="0">
+                <a:solidFill>
+                  <a:srgbClr val="000000"/>
+                </a:solidFill>
+                <a:latin typeface="Consolas" panose="020B0609020204030204" pitchFamily="49" charset="0"/>
+              </a:rPr>
+              <a:t>{</a:t>
+            </a:r>
+            <a:endParaRPr lang="es-AR" sz="2000" dirty="0">
+              <a:solidFill>
+                <a:srgbClr val="000000"/>
+              </a:solidFill>
+              <a:latin typeface="Consolas" panose="020B0609020204030204" pitchFamily="49" charset="0"/>
+            </a:endParaRPr>
           </a:p>
           <a:p>
             <a:pPr marL="76200" indent="0">
@@ -11189,22 +10961,66 @@
                 </a:solidFill>
                 <a:latin typeface="Consolas" panose="020B0609020204030204" pitchFamily="49" charset="0"/>
               </a:rPr>
+              <a:t>    </a:t>
+            </a:r>
+            <a:r>
+              <a:rPr lang="es-AR" sz="2000" dirty="0" err="1" smtClean="0">
+                <a:solidFill>
+                  <a:srgbClr val="0000FF"/>
+                </a:solidFill>
+                <a:latin typeface="Consolas" panose="020B0609020204030204" pitchFamily="49" charset="0"/>
+              </a:rPr>
+              <a:t>Console</a:t>
+            </a:r>
+            <a:r>
+              <a:rPr lang="es-AR" sz="2000" dirty="0" err="1" smtClean="0">
+                <a:solidFill>
+                  <a:srgbClr val="000000"/>
+                </a:solidFill>
+                <a:latin typeface="Consolas" panose="020B0609020204030204" pitchFamily="49" charset="0"/>
+              </a:rPr>
+              <a:t>.WriteLine</a:t>
+            </a:r>
+            <a:r>
+              <a:rPr lang="es-AR" sz="2000" dirty="0" smtClean="0">
+                <a:solidFill>
+                  <a:srgbClr val="000000"/>
+                </a:solidFill>
+                <a:latin typeface="Consolas" panose="020B0609020204030204" pitchFamily="49" charset="0"/>
+              </a:rPr>
+              <a:t>(Sumar(1</a:t>
+            </a:r>
+            <a:r>
+              <a:rPr lang="es-AR" sz="2000" dirty="0">
+                <a:solidFill>
+                  <a:srgbClr val="000000"/>
+                </a:solidFill>
+                <a:latin typeface="Consolas" panose="020B0609020204030204" pitchFamily="49" charset="0"/>
+              </a:rPr>
+              <a:t>, 2) + Sumar(1, 2, 3));</a:t>
+            </a:r>
+          </a:p>
+          <a:p>
+            <a:pPr marL="76200" indent="0">
+              <a:spcBef>
+                <a:spcPts val="0"/>
+              </a:spcBef>
+              <a:buNone/>
+            </a:pPr>
+            <a:r>
+              <a:rPr lang="es-AR" sz="2000" smtClean="0">
+                <a:solidFill>
+                  <a:srgbClr val="000000"/>
+                </a:solidFill>
+                <a:latin typeface="Consolas" panose="020B0609020204030204" pitchFamily="49" charset="0"/>
+              </a:rPr>
               <a:t>}</a:t>
             </a:r>
-            <a:endParaRPr kumimoji="0" lang="es-AR" sz="2000" b="0" i="0" u="none" strike="noStrike" kern="0" cap="none" spc="0" normalizeH="0" baseline="0" noProof="0" dirty="0" smtClean="0">
-              <a:ln>
-                <a:noFill/>
-              </a:ln>
+            <a:endParaRPr lang="es-AR" sz="2000" dirty="0">
               <a:solidFill>
-                <a:srgbClr val="FFFFFF"/>
+                <a:srgbClr val="000000"/>
               </a:solidFill>
-              <a:effectLst/>
-              <a:uLnTx/>
-              <a:uFillTx/>
-              <a:latin typeface="Source Sans Pro"/>
-              <a:ea typeface="Source Sans Pro"/>
-              <a:cs typeface="Source Sans Pro"/>
-              <a:sym typeface="Source Sans Pro"/>
+              <a:latin typeface="Consolas" panose="020B0609020204030204" pitchFamily="49" charset="0"/>
             </a:endParaRPr>
           </a:p>
         </p:txBody>
@@ -11212,17 +11028,24 @@
     </p:spTree>
     <p:extLst>
       <p:ext uri="{BB962C8B-B14F-4D97-AF65-F5344CB8AC3E}">
-        <p14:creationId xmlns:p14="http://schemas.microsoft.com/office/powerpoint/2010/main" val="860527759"/>
+        <p14:creationId xmlns:p14="http://schemas.microsoft.com/office/powerpoint/2010/main" val="3323624835"/>
       </p:ext>
     </p:extLst>
   </p:cSld>
   <p:clrMapOvr>
     <a:masterClrMapping/>
   </p:clrMapOvr>
+  <p:timing>
+    <p:tnLst>
+      <p:par>
+        <p:cTn id="1" dur="indefinite" restart="never" nodeType="tmRoot"/>
+      </p:par>
+    </p:tnLst>
+  </p:timing>
 </p:sld>
 </file>
 
-<file path=ppt/slides/slide6.xml><?xml version="1.0" encoding="utf-8"?>
+<file path=ppt/slides/slide5.xml><?xml version="1.0" encoding="utf-8"?>
 <p:sld xmlns:a="http://schemas.openxmlformats.org/drawingml/2006/main" xmlns:r="http://schemas.openxmlformats.org/officeDocument/2006/relationships" xmlns:p="http://schemas.openxmlformats.org/presentationml/2006/main">
   <p:cSld>
     <p:spTree>
@@ -11256,317 +11079,16 @@
           <a:p>
             <a:r>
               <a:rPr lang="es-AR" dirty="0"/>
-              <a:t>Firmas de Métodos</a:t>
-            </a:r>
-          </a:p>
-        </p:txBody>
-      </p:sp>
-      <p:sp>
-        <p:nvSpPr>
-          <p:cNvPr id="3" name="Marcador de contenido 2"/>
-          <p:cNvSpPr>
-            <a:spLocks noGrp="1"/>
-          </p:cNvSpPr>
-          <p:nvPr>
-            <p:ph idx="1"/>
-          </p:nvPr>
-        </p:nvSpPr>
-        <p:spPr/>
-        <p:txBody>
-          <a:bodyPr>
-            <a:normAutofit fontScale="85000" lnSpcReduction="20000"/>
-          </a:bodyPr>
-          <a:lstStyle/>
-          <a:p>
-            <a:pPr>
-              <a:defRPr/>
-            </a:pPr>
-            <a:r>
-              <a:rPr lang="es-ES" sz="2800" dirty="0">
-                <a:effectLst>
-                  <a:outerShdw blurRad="38100" dist="38100" dir="2700000" algn="tl">
-                    <a:srgbClr val="000000">
-                      <a:alpha val="43137"/>
-                    </a:srgbClr>
-                  </a:outerShdw>
-                </a:effectLst>
-              </a:rPr>
-              <a:t>Las firmas de los métodos deben ser únicas dentro de una clase.</a:t>
-            </a:r>
-          </a:p>
-          <a:p>
-            <a:pPr>
-              <a:defRPr/>
-            </a:pPr>
-            <a:endParaRPr lang="es-ES" sz="2200" dirty="0">
-              <a:effectLst>
-                <a:outerShdw blurRad="38100" dist="38100" dir="2700000" algn="tl">
-                  <a:srgbClr val="000000">
-                    <a:alpha val="43137"/>
-                  </a:srgbClr>
-                </a:outerShdw>
-              </a:effectLst>
-            </a:endParaRPr>
-          </a:p>
-          <a:p>
-            <a:pPr>
-              <a:defRPr/>
-            </a:pPr>
-            <a:r>
-              <a:rPr lang="es-ES" sz="2800" dirty="0">
-                <a:effectLst>
-                  <a:outerShdw blurRad="38100" dist="38100" dir="2700000" algn="tl">
-                    <a:srgbClr val="000000">
-                      <a:alpha val="43137"/>
-                    </a:srgbClr>
-                  </a:outerShdw>
-                </a:effectLst>
-              </a:rPr>
-              <a:t>Forman la definición de la firma de un método:</a:t>
-            </a:r>
-          </a:p>
-          <a:p>
-            <a:pPr lvl="1">
-              <a:defRPr/>
-            </a:pPr>
-            <a:r>
-              <a:rPr lang="es-ES" sz="2400" dirty="0">
-                <a:effectLst>
-                  <a:outerShdw blurRad="38100" dist="38100" dir="2700000" algn="tl">
-                    <a:srgbClr val="000000">
-                      <a:alpha val="43137"/>
-                    </a:srgbClr>
-                  </a:outerShdw>
-                </a:effectLst>
-              </a:rPr>
-              <a:t>Nombre del método.</a:t>
-            </a:r>
-          </a:p>
-          <a:p>
-            <a:pPr lvl="1">
-              <a:defRPr/>
-            </a:pPr>
-            <a:r>
-              <a:rPr lang="es-ES" sz="2400" dirty="0">
-                <a:effectLst>
-                  <a:outerShdw blurRad="38100" dist="38100" dir="2700000" algn="tl">
-                    <a:srgbClr val="000000">
-                      <a:alpha val="43137"/>
-                    </a:srgbClr>
-                  </a:outerShdw>
-                </a:effectLst>
-              </a:rPr>
-              <a:t>Tipo de parámetros.</a:t>
-            </a:r>
-          </a:p>
-          <a:p>
-            <a:pPr lvl="1">
-              <a:defRPr/>
-            </a:pPr>
-            <a:r>
-              <a:rPr lang="es-ES" sz="2400" dirty="0">
-                <a:effectLst>
-                  <a:outerShdw blurRad="38100" dist="38100" dir="2700000" algn="tl">
-                    <a:srgbClr val="000000">
-                      <a:alpha val="43137"/>
-                    </a:srgbClr>
-                  </a:outerShdw>
-                </a:effectLst>
-              </a:rPr>
-              <a:t>Cantidad de parámetros.</a:t>
-            </a:r>
-          </a:p>
-          <a:p>
-            <a:pPr lvl="1">
-              <a:defRPr/>
-            </a:pPr>
-            <a:r>
-              <a:rPr lang="es-ES" sz="2400" dirty="0">
-                <a:effectLst>
-                  <a:outerShdw blurRad="38100" dist="38100" dir="2700000" algn="tl">
-                    <a:srgbClr val="000000">
-                      <a:alpha val="43137"/>
-                    </a:srgbClr>
-                  </a:outerShdw>
-                </a:effectLst>
-              </a:rPr>
-              <a:t>Modificador de parámetro (</a:t>
-            </a:r>
-            <a:r>
-              <a:rPr lang="es-ES" sz="2400" b="1" dirty="0" err="1">
-                <a:effectLst>
-                  <a:outerShdw blurRad="38100" dist="38100" dir="2700000" algn="tl">
-                    <a:srgbClr val="000000">
-                      <a:alpha val="43137"/>
-                    </a:srgbClr>
-                  </a:outerShdw>
-                </a:effectLst>
-              </a:rPr>
-              <a:t>out</a:t>
-            </a:r>
-            <a:r>
-              <a:rPr lang="es-ES" sz="2400" b="1" dirty="0">
-                <a:effectLst>
-                  <a:outerShdw blurRad="38100" dist="38100" dir="2700000" algn="tl">
-                    <a:srgbClr val="000000">
-                      <a:alpha val="43137"/>
-                    </a:srgbClr>
-                  </a:outerShdw>
-                </a:effectLst>
-              </a:rPr>
-              <a:t> o </a:t>
-            </a:r>
-            <a:r>
-              <a:rPr lang="es-ES" sz="2400" b="1" dirty="0" err="1">
-                <a:effectLst>
-                  <a:outerShdw blurRad="38100" dist="38100" dir="2700000" algn="tl">
-                    <a:srgbClr val="000000">
-                      <a:alpha val="43137"/>
-                    </a:srgbClr>
-                  </a:outerShdw>
-                </a:effectLst>
-              </a:rPr>
-              <a:t>ref</a:t>
-            </a:r>
-            <a:r>
-              <a:rPr lang="es-ES" sz="2400" dirty="0">
-                <a:effectLst>
-                  <a:outerShdw blurRad="38100" dist="38100" dir="2700000" algn="tl">
-                    <a:srgbClr val="000000">
-                      <a:alpha val="43137"/>
-                    </a:srgbClr>
-                  </a:outerShdw>
-                </a:effectLst>
-              </a:rPr>
-              <a:t>)</a:t>
-            </a:r>
-          </a:p>
-          <a:p>
-            <a:pPr lvl="1">
-              <a:defRPr/>
-            </a:pPr>
-            <a:endParaRPr lang="es-ES" sz="2200" dirty="0">
-              <a:effectLst>
-                <a:outerShdw blurRad="38100" dist="38100" dir="2700000" algn="tl">
-                  <a:srgbClr val="000000">
-                    <a:alpha val="43137"/>
-                  </a:srgbClr>
-                </a:outerShdw>
-              </a:effectLst>
-            </a:endParaRPr>
-          </a:p>
-          <a:p>
-            <a:pPr>
-              <a:defRPr/>
-            </a:pPr>
-            <a:r>
-              <a:rPr lang="es-ES" sz="2800" dirty="0">
-                <a:effectLst>
-                  <a:outerShdw blurRad="38100" dist="38100" dir="2700000" algn="tl">
-                    <a:srgbClr val="000000">
-                      <a:alpha val="43137"/>
-                    </a:srgbClr>
-                  </a:outerShdw>
-                </a:effectLst>
-              </a:rPr>
-              <a:t>No afectan la firma de un método:</a:t>
-            </a:r>
-          </a:p>
-          <a:p>
-            <a:pPr lvl="1">
-              <a:defRPr/>
-            </a:pPr>
-            <a:r>
-              <a:rPr lang="es-ES" sz="2400" dirty="0">
-                <a:effectLst>
-                  <a:outerShdw blurRad="38100" dist="38100" dir="2700000" algn="tl">
-                    <a:srgbClr val="000000">
-                      <a:alpha val="43137"/>
-                    </a:srgbClr>
-                  </a:outerShdw>
-                </a:effectLst>
-              </a:rPr>
-              <a:t>Nombres de parámetros.</a:t>
-            </a:r>
-          </a:p>
-          <a:p>
-            <a:pPr lvl="1">
-              <a:defRPr/>
-            </a:pPr>
-            <a:r>
-              <a:rPr lang="es-ES" sz="2400" dirty="0">
-                <a:effectLst>
-                  <a:outerShdw blurRad="38100" dist="38100" dir="2700000" algn="tl">
-                    <a:srgbClr val="000000">
-                      <a:alpha val="43137"/>
-                    </a:srgbClr>
-                  </a:outerShdw>
-                </a:effectLst>
-              </a:rPr>
-              <a:t>Tipo de retorno del método.</a:t>
-            </a:r>
-            <a:endParaRPr lang="es-AR" dirty="0">
-              <a:effectLst>
-                <a:outerShdw blurRad="38100" dist="38100" dir="2700000" algn="tl">
-                  <a:srgbClr val="000000">
-                    <a:alpha val="43137"/>
-                  </a:srgbClr>
-                </a:outerShdw>
-              </a:effectLst>
-            </a:endParaRPr>
-          </a:p>
-        </p:txBody>
-      </p:sp>
-    </p:spTree>
-    <p:extLst>
-      <p:ext uri="{BB962C8B-B14F-4D97-AF65-F5344CB8AC3E}">
-        <p14:creationId xmlns:p14="http://schemas.microsoft.com/office/powerpoint/2010/main" val="4179072825"/>
-      </p:ext>
-    </p:extLst>
-  </p:cSld>
-  <p:clrMapOvr>
-    <a:masterClrMapping/>
-  </p:clrMapOvr>
-</p:sld>
-</file>
-
-<file path=ppt/slides/slide7.xml><?xml version="1.0" encoding="utf-8"?>
-<p:sld xmlns:a="http://schemas.openxmlformats.org/drawingml/2006/main" xmlns:r="http://schemas.openxmlformats.org/officeDocument/2006/relationships" xmlns:p="http://schemas.openxmlformats.org/presentationml/2006/main">
-  <p:cSld>
-    <p:spTree>
-      <p:nvGrpSpPr>
-        <p:cNvPr id="1" name=""/>
-        <p:cNvGrpSpPr/>
-        <p:nvPr/>
-      </p:nvGrpSpPr>
-      <p:grpSpPr>
-        <a:xfrm>
-          <a:off x="0" y="0"/>
-          <a:ext cx="0" cy="0"/>
-          <a:chOff x="0" y="0"/>
-          <a:chExt cx="0" cy="0"/>
-        </a:xfrm>
-      </p:grpSpPr>
-      <p:sp>
-        <p:nvSpPr>
-          <p:cNvPr id="2" name="Título 1"/>
-          <p:cNvSpPr>
-            <a:spLocks noGrp="1"/>
-          </p:cNvSpPr>
-          <p:nvPr>
-            <p:ph type="title"/>
-          </p:nvPr>
-        </p:nvSpPr>
-        <p:spPr/>
-        <p:txBody>
-          <a:bodyPr/>
-          <a:lstStyle/>
-          <a:p>
+              <a:t>Ejemplo </a:t>
+            </a:r>
             <a:r>
               <a:rPr lang="es-AR" dirty="0" smtClean="0"/>
-              <a:t>Ejemplo</a:t>
-            </a:r>
-            <a:endParaRPr lang="es-AR" dirty="0"/>
+              <a:t>II: Tipos de </a:t>
+            </a:r>
+            <a:r>
+              <a:rPr lang="es-AR" dirty="0"/>
+              <a:t>parámetros</a:t>
+            </a:r>
           </a:p>
         </p:txBody>
       </p:sp>
@@ -11910,6 +11432,1404 @@
               <a:buNone/>
             </a:pPr>
             <a:r>
+              <a:rPr lang="en-US" sz="2000" dirty="0">
+                <a:solidFill>
+                  <a:srgbClr val="000000"/>
+                </a:solidFill>
+                <a:latin typeface="Consolas" panose="020B0609020204030204" pitchFamily="49" charset="0"/>
+              </a:rPr>
+              <a:t>    </a:t>
+            </a:r>
+            <a:r>
+              <a:rPr lang="en-US" sz="2000" dirty="0">
+                <a:solidFill>
+                  <a:srgbClr val="0000FF"/>
+                </a:solidFill>
+                <a:latin typeface="Consolas" panose="020B0609020204030204" pitchFamily="49" charset="0"/>
+              </a:rPr>
+              <a:t>static</a:t>
+            </a:r>
+            <a:r>
+              <a:rPr lang="en-US" sz="2000" dirty="0">
+                <a:solidFill>
+                  <a:srgbClr val="000000"/>
+                </a:solidFill>
+                <a:latin typeface="Consolas" panose="020B0609020204030204" pitchFamily="49" charset="0"/>
+              </a:rPr>
+              <a:t> </a:t>
+            </a:r>
+            <a:r>
+              <a:rPr lang="en-US" sz="2000" dirty="0" err="1">
+                <a:solidFill>
+                  <a:srgbClr val="0000FF"/>
+                </a:solidFill>
+                <a:latin typeface="Consolas" panose="020B0609020204030204" pitchFamily="49" charset="0"/>
+              </a:rPr>
+              <a:t>int</a:t>
+            </a:r>
+            <a:r>
+              <a:rPr lang="en-US" sz="2000" dirty="0">
+                <a:solidFill>
+                  <a:srgbClr val="000000"/>
+                </a:solidFill>
+                <a:latin typeface="Consolas" panose="020B0609020204030204" pitchFamily="49" charset="0"/>
+              </a:rPr>
+              <a:t> </a:t>
+            </a:r>
+            <a:r>
+              <a:rPr lang="en-US" sz="2000" dirty="0" err="1">
+                <a:solidFill>
+                  <a:srgbClr val="000000"/>
+                </a:solidFill>
+                <a:latin typeface="Consolas" panose="020B0609020204030204" pitchFamily="49" charset="0"/>
+              </a:rPr>
+              <a:t>Sumar</a:t>
+            </a:r>
+            <a:r>
+              <a:rPr lang="en-US" sz="2000" dirty="0">
+                <a:solidFill>
+                  <a:srgbClr val="000000"/>
+                </a:solidFill>
+                <a:latin typeface="Consolas" panose="020B0609020204030204" pitchFamily="49" charset="0"/>
+              </a:rPr>
+              <a:t>(</a:t>
+            </a:r>
+            <a:r>
+              <a:rPr lang="en-US" sz="2000" dirty="0" err="1">
+                <a:solidFill>
+                  <a:srgbClr val="0000FF"/>
+                </a:solidFill>
+                <a:latin typeface="Consolas" panose="020B0609020204030204" pitchFamily="49" charset="0"/>
+              </a:rPr>
+              <a:t>int</a:t>
+            </a:r>
+            <a:r>
+              <a:rPr lang="en-US" sz="2000" dirty="0">
+                <a:solidFill>
+                  <a:srgbClr val="000000"/>
+                </a:solidFill>
+                <a:latin typeface="Consolas" panose="020B0609020204030204" pitchFamily="49" charset="0"/>
+              </a:rPr>
+              <a:t> a, </a:t>
+            </a:r>
+            <a:r>
+              <a:rPr lang="en-US" sz="2000" dirty="0" err="1">
+                <a:solidFill>
+                  <a:srgbClr val="0000FF"/>
+                </a:solidFill>
+                <a:latin typeface="Consolas" panose="020B0609020204030204" pitchFamily="49" charset="0"/>
+              </a:rPr>
+              <a:t>int</a:t>
+            </a:r>
+            <a:r>
+              <a:rPr lang="en-US" sz="2000" dirty="0">
+                <a:solidFill>
+                  <a:srgbClr val="000000"/>
+                </a:solidFill>
+                <a:latin typeface="Consolas" panose="020B0609020204030204" pitchFamily="49" charset="0"/>
+              </a:rPr>
+              <a:t> b)</a:t>
+            </a:r>
+          </a:p>
+          <a:p>
+            <a:pPr marL="76200" indent="0">
+              <a:spcBef>
+                <a:spcPts val="0"/>
+              </a:spcBef>
+              <a:buNone/>
+            </a:pPr>
+            <a:r>
+              <a:rPr lang="es-AR" sz="2000" dirty="0">
+                <a:solidFill>
+                  <a:srgbClr val="000000"/>
+                </a:solidFill>
+                <a:latin typeface="Consolas" panose="020B0609020204030204" pitchFamily="49" charset="0"/>
+              </a:rPr>
+              <a:t>    {   </a:t>
+            </a:r>
+            <a:r>
+              <a:rPr lang="es-AR" sz="2000" dirty="0" smtClean="0">
+                <a:solidFill>
+                  <a:srgbClr val="008000"/>
+                </a:solidFill>
+                <a:latin typeface="Consolas" panose="020B0609020204030204" pitchFamily="49" charset="0"/>
+              </a:rPr>
+              <a:t>//</a:t>
+            </a:r>
+            <a:r>
+              <a:rPr lang="es-AR" sz="2000" dirty="0">
+                <a:solidFill>
+                  <a:srgbClr val="008000"/>
+                </a:solidFill>
+                <a:latin typeface="Consolas" panose="020B0609020204030204" pitchFamily="49" charset="0"/>
+              </a:rPr>
+              <a:t> M</a:t>
+            </a:r>
+            <a:r>
+              <a:rPr lang="es-AR" sz="2000" dirty="0" smtClean="0">
+                <a:solidFill>
+                  <a:srgbClr val="008000"/>
+                </a:solidFill>
+                <a:latin typeface="Consolas" panose="020B0609020204030204" pitchFamily="49" charset="0"/>
+              </a:rPr>
+              <a:t>étodo </a:t>
+            </a:r>
+            <a:r>
+              <a:rPr lang="es-AR" sz="2000" dirty="0">
+                <a:solidFill>
+                  <a:srgbClr val="008000"/>
+                </a:solidFill>
+                <a:latin typeface="Consolas" panose="020B0609020204030204" pitchFamily="49" charset="0"/>
+              </a:rPr>
+              <a:t>con dos parámetros</a:t>
+            </a:r>
+            <a:endParaRPr lang="es-AR" sz="2000" dirty="0">
+              <a:solidFill>
+                <a:srgbClr val="000000"/>
+              </a:solidFill>
+              <a:latin typeface="Consolas" panose="020B0609020204030204" pitchFamily="49" charset="0"/>
+            </a:endParaRPr>
+          </a:p>
+          <a:p>
+            <a:pPr marL="76200" indent="0">
+              <a:spcBef>
+                <a:spcPts val="0"/>
+              </a:spcBef>
+              <a:buNone/>
+            </a:pPr>
+            <a:r>
+              <a:rPr lang="pt-BR" sz="2000" dirty="0">
+                <a:solidFill>
+                  <a:srgbClr val="000000"/>
+                </a:solidFill>
+                <a:latin typeface="Consolas" panose="020B0609020204030204" pitchFamily="49" charset="0"/>
+              </a:rPr>
+              <a:t>        </a:t>
+            </a:r>
+            <a:r>
+              <a:rPr lang="pt-BR" sz="2000" dirty="0" err="1">
+                <a:solidFill>
+                  <a:srgbClr val="0000FF"/>
+                </a:solidFill>
+                <a:latin typeface="Consolas" panose="020B0609020204030204" pitchFamily="49" charset="0"/>
+              </a:rPr>
+              <a:t>return</a:t>
+            </a:r>
+            <a:r>
+              <a:rPr lang="pt-BR" sz="2000" dirty="0">
+                <a:solidFill>
+                  <a:srgbClr val="000000"/>
+                </a:solidFill>
+                <a:latin typeface="Consolas" panose="020B0609020204030204" pitchFamily="49" charset="0"/>
+              </a:rPr>
+              <a:t> a + b; </a:t>
+            </a:r>
+            <a:r>
+              <a:rPr lang="pt-BR" sz="2000" dirty="0" smtClean="0">
+                <a:solidFill>
+                  <a:srgbClr val="008000"/>
+                </a:solidFill>
+                <a:latin typeface="Consolas" panose="020B0609020204030204" pitchFamily="49" charset="0"/>
+              </a:rPr>
+              <a:t>//</a:t>
+            </a:r>
+            <a:r>
+              <a:rPr lang="pt-BR" sz="2000" dirty="0">
+                <a:solidFill>
+                  <a:srgbClr val="008000"/>
+                </a:solidFill>
+                <a:latin typeface="Consolas" panose="020B0609020204030204" pitchFamily="49" charset="0"/>
+              </a:rPr>
+              <a:t>de tipo </a:t>
+            </a:r>
+            <a:r>
+              <a:rPr lang="pt-BR" sz="2000" dirty="0" err="1">
+                <a:solidFill>
+                  <a:srgbClr val="008000"/>
+                </a:solidFill>
+                <a:latin typeface="Consolas" panose="020B0609020204030204" pitchFamily="49" charset="0"/>
+              </a:rPr>
+              <a:t>int</a:t>
+            </a:r>
+            <a:endParaRPr lang="pt-BR" sz="2000" dirty="0">
+              <a:solidFill>
+                <a:srgbClr val="000000"/>
+              </a:solidFill>
+              <a:latin typeface="Consolas" panose="020B0609020204030204" pitchFamily="49" charset="0"/>
+            </a:endParaRPr>
+          </a:p>
+          <a:p>
+            <a:pPr marL="76200" indent="0">
+              <a:spcBef>
+                <a:spcPts val="0"/>
+              </a:spcBef>
+              <a:buNone/>
+            </a:pPr>
+            <a:r>
+              <a:rPr lang="es-AR" sz="2000" dirty="0">
+                <a:solidFill>
+                  <a:srgbClr val="000000"/>
+                </a:solidFill>
+                <a:latin typeface="Consolas" panose="020B0609020204030204" pitchFamily="49" charset="0"/>
+              </a:rPr>
+              <a:t>    }</a:t>
+            </a:r>
+          </a:p>
+          <a:p>
+            <a:pPr marL="76200" indent="0">
+              <a:spcBef>
+                <a:spcPts val="0"/>
+              </a:spcBef>
+              <a:buNone/>
+            </a:pPr>
+            <a:r>
+              <a:rPr lang="en-US" sz="2000" dirty="0">
+                <a:solidFill>
+                  <a:srgbClr val="000000"/>
+                </a:solidFill>
+                <a:latin typeface="Consolas" panose="020B0609020204030204" pitchFamily="49" charset="0"/>
+              </a:rPr>
+              <a:t>    </a:t>
+            </a:r>
+            <a:r>
+              <a:rPr lang="en-US" sz="2000" dirty="0">
+                <a:solidFill>
+                  <a:srgbClr val="0000FF"/>
+                </a:solidFill>
+                <a:latin typeface="Consolas" panose="020B0609020204030204" pitchFamily="49" charset="0"/>
+              </a:rPr>
+              <a:t>static</a:t>
+            </a:r>
+            <a:r>
+              <a:rPr lang="en-US" sz="2000" dirty="0">
+                <a:solidFill>
+                  <a:srgbClr val="000000"/>
+                </a:solidFill>
+                <a:latin typeface="Consolas" panose="020B0609020204030204" pitchFamily="49" charset="0"/>
+              </a:rPr>
+              <a:t> </a:t>
+            </a:r>
+            <a:r>
+              <a:rPr lang="en-US" sz="2000" dirty="0" err="1">
+                <a:solidFill>
+                  <a:srgbClr val="0000FF"/>
+                </a:solidFill>
+                <a:latin typeface="Consolas" panose="020B0609020204030204" pitchFamily="49" charset="0"/>
+              </a:rPr>
+              <a:t>int</a:t>
+            </a:r>
+            <a:r>
+              <a:rPr lang="en-US" sz="2000" dirty="0">
+                <a:solidFill>
+                  <a:srgbClr val="000000"/>
+                </a:solidFill>
+                <a:latin typeface="Consolas" panose="020B0609020204030204" pitchFamily="49" charset="0"/>
+              </a:rPr>
+              <a:t> </a:t>
+            </a:r>
+            <a:r>
+              <a:rPr lang="en-US" sz="2000" dirty="0" err="1">
+                <a:solidFill>
+                  <a:srgbClr val="000000"/>
+                </a:solidFill>
+                <a:latin typeface="Consolas" panose="020B0609020204030204" pitchFamily="49" charset="0"/>
+              </a:rPr>
+              <a:t>Sumar</a:t>
+            </a:r>
+            <a:r>
+              <a:rPr lang="en-US" sz="2000" dirty="0">
+                <a:solidFill>
+                  <a:srgbClr val="000000"/>
+                </a:solidFill>
+                <a:latin typeface="Consolas" panose="020B0609020204030204" pitchFamily="49" charset="0"/>
+              </a:rPr>
+              <a:t>(</a:t>
+            </a:r>
+            <a:r>
+              <a:rPr lang="en-US" sz="2000" dirty="0">
+                <a:solidFill>
+                  <a:srgbClr val="0000FF"/>
+                </a:solidFill>
+                <a:latin typeface="Consolas" panose="020B0609020204030204" pitchFamily="49" charset="0"/>
+              </a:rPr>
+              <a:t>float</a:t>
+            </a:r>
+            <a:r>
+              <a:rPr lang="en-US" sz="2000" dirty="0">
+                <a:solidFill>
+                  <a:srgbClr val="000000"/>
+                </a:solidFill>
+                <a:latin typeface="Consolas" panose="020B0609020204030204" pitchFamily="49" charset="0"/>
+              </a:rPr>
+              <a:t> a, </a:t>
+            </a:r>
+            <a:r>
+              <a:rPr lang="en-US" sz="2000" dirty="0">
+                <a:solidFill>
+                  <a:srgbClr val="0000FF"/>
+                </a:solidFill>
+                <a:latin typeface="Consolas" panose="020B0609020204030204" pitchFamily="49" charset="0"/>
+              </a:rPr>
+              <a:t>float</a:t>
+            </a:r>
+            <a:r>
+              <a:rPr lang="en-US" sz="2000" dirty="0">
+                <a:solidFill>
+                  <a:srgbClr val="000000"/>
+                </a:solidFill>
+                <a:latin typeface="Consolas" panose="020B0609020204030204" pitchFamily="49" charset="0"/>
+              </a:rPr>
+              <a:t> b)</a:t>
+            </a:r>
+          </a:p>
+          <a:p>
+            <a:pPr marL="76200" indent="0">
+              <a:spcBef>
+                <a:spcPts val="0"/>
+              </a:spcBef>
+              <a:buNone/>
+            </a:pPr>
+            <a:r>
+              <a:rPr lang="es-AR" sz="2000" dirty="0">
+                <a:solidFill>
+                  <a:srgbClr val="000000"/>
+                </a:solidFill>
+                <a:latin typeface="Consolas" panose="020B0609020204030204" pitchFamily="49" charset="0"/>
+              </a:rPr>
+              <a:t>    {   </a:t>
+            </a:r>
+            <a:r>
+              <a:rPr lang="es-AR" sz="2000" dirty="0" smtClean="0">
+                <a:solidFill>
+                  <a:srgbClr val="008000"/>
+                </a:solidFill>
+                <a:latin typeface="Consolas" panose="020B0609020204030204" pitchFamily="49" charset="0"/>
+              </a:rPr>
+              <a:t>// Método </a:t>
+            </a:r>
+            <a:r>
+              <a:rPr lang="es-AR" sz="2000" dirty="0">
+                <a:solidFill>
+                  <a:srgbClr val="008000"/>
+                </a:solidFill>
+                <a:latin typeface="Consolas" panose="020B0609020204030204" pitchFamily="49" charset="0"/>
+              </a:rPr>
+              <a:t>con dos parámetros</a:t>
+            </a:r>
+            <a:endParaRPr lang="es-AR" sz="2000" dirty="0">
+              <a:solidFill>
+                <a:srgbClr val="000000"/>
+              </a:solidFill>
+              <a:latin typeface="Consolas" panose="020B0609020204030204" pitchFamily="49" charset="0"/>
+            </a:endParaRPr>
+          </a:p>
+          <a:p>
+            <a:pPr marL="76200" indent="0">
+              <a:spcBef>
+                <a:spcPts val="0"/>
+              </a:spcBef>
+              <a:buNone/>
+            </a:pPr>
+            <a:r>
+              <a:rPr lang="es-AR" sz="2000" dirty="0">
+                <a:solidFill>
+                  <a:srgbClr val="000000"/>
+                </a:solidFill>
+                <a:latin typeface="Consolas" panose="020B0609020204030204" pitchFamily="49" charset="0"/>
+              </a:rPr>
+              <a:t>        </a:t>
+            </a:r>
+            <a:r>
+              <a:rPr lang="es-AR" sz="2000" dirty="0" err="1">
+                <a:solidFill>
+                  <a:srgbClr val="0000FF"/>
+                </a:solidFill>
+                <a:latin typeface="Consolas" panose="020B0609020204030204" pitchFamily="49" charset="0"/>
+              </a:rPr>
+              <a:t>return</a:t>
+            </a:r>
+            <a:r>
+              <a:rPr lang="es-AR" sz="2000" dirty="0">
+                <a:solidFill>
+                  <a:srgbClr val="000000"/>
+                </a:solidFill>
+                <a:latin typeface="Consolas" panose="020B0609020204030204" pitchFamily="49" charset="0"/>
+              </a:rPr>
+              <a:t> (</a:t>
+            </a:r>
+            <a:r>
+              <a:rPr lang="es-AR" sz="2000" dirty="0" err="1">
+                <a:solidFill>
+                  <a:srgbClr val="0000FF"/>
+                </a:solidFill>
+                <a:latin typeface="Consolas" panose="020B0609020204030204" pitchFamily="49" charset="0"/>
+              </a:rPr>
+              <a:t>int</a:t>
+            </a:r>
+            <a:r>
+              <a:rPr lang="es-AR" sz="2000" dirty="0">
+                <a:solidFill>
+                  <a:srgbClr val="000000"/>
+                </a:solidFill>
+                <a:latin typeface="Consolas" panose="020B0609020204030204" pitchFamily="49" charset="0"/>
+              </a:rPr>
+              <a:t>)(a + b); </a:t>
+            </a:r>
+            <a:r>
+              <a:rPr lang="es-AR" sz="2000" dirty="0" smtClean="0">
+                <a:solidFill>
+                  <a:srgbClr val="008000"/>
+                </a:solidFill>
+                <a:latin typeface="Consolas" panose="020B0609020204030204" pitchFamily="49" charset="0"/>
+              </a:rPr>
+              <a:t>//</a:t>
+            </a:r>
+            <a:r>
+              <a:rPr lang="es-AR" sz="2000" dirty="0">
+                <a:solidFill>
+                  <a:srgbClr val="008000"/>
+                </a:solidFill>
+                <a:latin typeface="Consolas" panose="020B0609020204030204" pitchFamily="49" charset="0"/>
+              </a:rPr>
+              <a:t>de tipo </a:t>
+            </a:r>
+            <a:r>
+              <a:rPr lang="es-AR" sz="2000" dirty="0" err="1">
+                <a:solidFill>
+                  <a:srgbClr val="008000"/>
+                </a:solidFill>
+                <a:latin typeface="Consolas" panose="020B0609020204030204" pitchFamily="49" charset="0"/>
+              </a:rPr>
+              <a:t>float</a:t>
+            </a:r>
+            <a:endParaRPr lang="es-AR" sz="2000" dirty="0">
+              <a:solidFill>
+                <a:srgbClr val="000000"/>
+              </a:solidFill>
+              <a:latin typeface="Consolas" panose="020B0609020204030204" pitchFamily="49" charset="0"/>
+            </a:endParaRPr>
+          </a:p>
+          <a:p>
+            <a:pPr marL="76200" indent="0">
+              <a:spcBef>
+                <a:spcPts val="0"/>
+              </a:spcBef>
+              <a:buNone/>
+            </a:pPr>
+            <a:r>
+              <a:rPr lang="es-AR" sz="2000" dirty="0">
+                <a:solidFill>
+                  <a:srgbClr val="000000"/>
+                </a:solidFill>
+                <a:latin typeface="Consolas" panose="020B0609020204030204" pitchFamily="49" charset="0"/>
+              </a:rPr>
+              <a:t>    </a:t>
+            </a:r>
+            <a:r>
+              <a:rPr lang="es-AR" sz="2000" dirty="0" smtClean="0">
+                <a:solidFill>
+                  <a:srgbClr val="000000"/>
+                </a:solidFill>
+                <a:latin typeface="Consolas" panose="020B0609020204030204" pitchFamily="49" charset="0"/>
+              </a:rPr>
+              <a:t>}</a:t>
+            </a:r>
+          </a:p>
+          <a:p>
+            <a:pPr marL="76200" indent="0">
+              <a:spcBef>
+                <a:spcPts val="0"/>
+              </a:spcBef>
+              <a:buNone/>
+            </a:pPr>
+            <a:r>
+              <a:rPr lang="es-AR" sz="2000" dirty="0">
+                <a:solidFill>
+                  <a:srgbClr val="000000"/>
+                </a:solidFill>
+                <a:latin typeface="Consolas" panose="020B0609020204030204" pitchFamily="49" charset="0"/>
+              </a:rPr>
+              <a:t>}</a:t>
+            </a:r>
+          </a:p>
+          <a:p>
+            <a:pPr marL="76200" indent="0">
+              <a:spcBef>
+                <a:spcPts val="0"/>
+              </a:spcBef>
+              <a:buNone/>
+            </a:pPr>
+            <a:r>
+              <a:rPr lang="es-AR" sz="2000" dirty="0" err="1" smtClean="0">
+                <a:solidFill>
+                  <a:srgbClr val="0000FF"/>
+                </a:solidFill>
+                <a:latin typeface="Consolas" panose="020B0609020204030204" pitchFamily="49" charset="0"/>
+              </a:rPr>
+              <a:t>static</a:t>
+            </a:r>
+            <a:r>
+              <a:rPr lang="es-AR" sz="2000" dirty="0" smtClean="0">
+                <a:solidFill>
+                  <a:srgbClr val="000000"/>
+                </a:solidFill>
+                <a:latin typeface="Consolas" panose="020B0609020204030204" pitchFamily="49" charset="0"/>
+              </a:rPr>
+              <a:t> </a:t>
+            </a:r>
+            <a:r>
+              <a:rPr lang="es-AR" sz="2000" dirty="0" err="1">
+                <a:solidFill>
+                  <a:srgbClr val="0000FF"/>
+                </a:solidFill>
+                <a:latin typeface="Consolas" panose="020B0609020204030204" pitchFamily="49" charset="0"/>
+              </a:rPr>
+              <a:t>void</a:t>
+            </a:r>
+            <a:r>
+              <a:rPr lang="es-AR" sz="2000" dirty="0">
+                <a:solidFill>
+                  <a:srgbClr val="000000"/>
+                </a:solidFill>
+                <a:latin typeface="Consolas" panose="020B0609020204030204" pitchFamily="49" charset="0"/>
+              </a:rPr>
+              <a:t> </a:t>
+            </a:r>
+            <a:r>
+              <a:rPr lang="es-AR" sz="2000" dirty="0" err="1">
+                <a:solidFill>
+                  <a:srgbClr val="000000"/>
+                </a:solidFill>
+                <a:latin typeface="Consolas" panose="020B0609020204030204" pitchFamily="49" charset="0"/>
+              </a:rPr>
+              <a:t>Main</a:t>
+            </a:r>
+            <a:r>
+              <a:rPr lang="es-AR" sz="2000" dirty="0">
+                <a:solidFill>
+                  <a:srgbClr val="000000"/>
+                </a:solidFill>
+                <a:latin typeface="Consolas" panose="020B0609020204030204" pitchFamily="49" charset="0"/>
+              </a:rPr>
+              <a:t>()</a:t>
+            </a:r>
+          </a:p>
+          <a:p>
+            <a:pPr marL="76200" indent="0">
+              <a:spcBef>
+                <a:spcPts val="0"/>
+              </a:spcBef>
+              <a:buNone/>
+            </a:pPr>
+            <a:r>
+              <a:rPr lang="es-AR" sz="2000" dirty="0" smtClean="0">
+                <a:solidFill>
+                  <a:srgbClr val="000000"/>
+                </a:solidFill>
+                <a:latin typeface="Consolas" panose="020B0609020204030204" pitchFamily="49" charset="0"/>
+              </a:rPr>
+              <a:t>{</a:t>
+            </a:r>
+            <a:endParaRPr lang="es-AR" sz="2000" dirty="0">
+              <a:solidFill>
+                <a:srgbClr val="000000"/>
+              </a:solidFill>
+              <a:latin typeface="Consolas" panose="020B0609020204030204" pitchFamily="49" charset="0"/>
+            </a:endParaRPr>
+          </a:p>
+          <a:p>
+            <a:pPr marL="76200" indent="0">
+              <a:spcBef>
+                <a:spcPts val="0"/>
+              </a:spcBef>
+              <a:buNone/>
+            </a:pPr>
+            <a:r>
+              <a:rPr lang="es-AR" sz="2000" dirty="0" smtClean="0">
+                <a:solidFill>
+                  <a:srgbClr val="0000FF"/>
+                </a:solidFill>
+                <a:latin typeface="Consolas" panose="020B0609020204030204" pitchFamily="49" charset="0"/>
+              </a:rPr>
+              <a:t>    </a:t>
+            </a:r>
+            <a:r>
+              <a:rPr lang="es-AR" sz="2000" dirty="0" err="1" smtClean="0">
+                <a:solidFill>
+                  <a:srgbClr val="0000FF"/>
+                </a:solidFill>
+                <a:latin typeface="Consolas" panose="020B0609020204030204" pitchFamily="49" charset="0"/>
+              </a:rPr>
+              <a:t>Console</a:t>
+            </a:r>
+            <a:r>
+              <a:rPr lang="es-AR" sz="2000" dirty="0" err="1" smtClean="0">
+                <a:solidFill>
+                  <a:srgbClr val="000000"/>
+                </a:solidFill>
+                <a:latin typeface="Consolas" panose="020B0609020204030204" pitchFamily="49" charset="0"/>
+              </a:rPr>
+              <a:t>.WriteLine</a:t>
+            </a:r>
+            <a:r>
+              <a:rPr lang="es-AR" sz="2000" dirty="0" smtClean="0">
+                <a:solidFill>
+                  <a:srgbClr val="000000"/>
+                </a:solidFill>
+                <a:latin typeface="Consolas" panose="020B0609020204030204" pitchFamily="49" charset="0"/>
+              </a:rPr>
+              <a:t>(Sumar(1</a:t>
+            </a:r>
+            <a:r>
+              <a:rPr lang="es-AR" sz="2000" dirty="0">
+                <a:solidFill>
+                  <a:srgbClr val="000000"/>
+                </a:solidFill>
+                <a:latin typeface="Consolas" panose="020B0609020204030204" pitchFamily="49" charset="0"/>
+              </a:rPr>
+              <a:t>, 2) + Sumar(1.0, 2.0));</a:t>
+            </a:r>
+          </a:p>
+          <a:p>
+            <a:pPr marL="76200" indent="0">
+              <a:spcBef>
+                <a:spcPts val="0"/>
+              </a:spcBef>
+              <a:buNone/>
+            </a:pPr>
+            <a:r>
+              <a:rPr lang="es-AR" sz="2000" dirty="0" smtClean="0">
+                <a:solidFill>
+                  <a:srgbClr val="000000"/>
+                </a:solidFill>
+                <a:latin typeface="Consolas" panose="020B0609020204030204" pitchFamily="49" charset="0"/>
+              </a:rPr>
+              <a:t>}</a:t>
+            </a:r>
+            <a:endParaRPr lang="es-AR" sz="2000" dirty="0">
+              <a:solidFill>
+                <a:srgbClr val="000000"/>
+              </a:solidFill>
+              <a:latin typeface="Consolas" panose="020B0609020204030204" pitchFamily="49" charset="0"/>
+            </a:endParaRPr>
+          </a:p>
+        </p:txBody>
+      </p:sp>
+    </p:spTree>
+    <p:extLst>
+      <p:ext uri="{BB962C8B-B14F-4D97-AF65-F5344CB8AC3E}">
+        <p14:creationId xmlns:p14="http://schemas.microsoft.com/office/powerpoint/2010/main" val="860527759"/>
+      </p:ext>
+    </p:extLst>
+  </p:cSld>
+  <p:clrMapOvr>
+    <a:masterClrMapping/>
+  </p:clrMapOvr>
+  <p:timing>
+    <p:tnLst>
+      <p:par>
+        <p:cTn id="1" dur="indefinite" restart="never" nodeType="tmRoot"/>
+      </p:par>
+    </p:tnLst>
+  </p:timing>
+</p:sld>
+</file>
+
+<file path=ppt/slides/slide6.xml><?xml version="1.0" encoding="utf-8"?>
+<p:sld xmlns:a="http://schemas.openxmlformats.org/drawingml/2006/main" xmlns:r="http://schemas.openxmlformats.org/officeDocument/2006/relationships" xmlns:p="http://schemas.openxmlformats.org/presentationml/2006/main">
+  <p:cSld>
+    <p:spTree>
+      <p:nvGrpSpPr>
+        <p:cNvPr id="1" name=""/>
+        <p:cNvGrpSpPr/>
+        <p:nvPr/>
+      </p:nvGrpSpPr>
+      <p:grpSpPr>
+        <a:xfrm>
+          <a:off x="0" y="0"/>
+          <a:ext cx="0" cy="0"/>
+          <a:chOff x="0" y="0"/>
+          <a:chExt cx="0" cy="0"/>
+        </a:xfrm>
+      </p:grpSpPr>
+      <p:sp>
+        <p:nvSpPr>
+          <p:cNvPr id="2" name="Título 1"/>
+          <p:cNvSpPr>
+            <a:spLocks noGrp="1"/>
+          </p:cNvSpPr>
+          <p:nvPr>
+            <p:ph type="title"/>
+          </p:nvPr>
+        </p:nvSpPr>
+        <p:spPr/>
+        <p:txBody>
+          <a:bodyPr/>
+          <a:lstStyle/>
+          <a:p>
+            <a:r>
+              <a:rPr lang="es-AR" dirty="0"/>
+              <a:t>Firmas de Métodos</a:t>
+            </a:r>
+          </a:p>
+        </p:txBody>
+      </p:sp>
+      <p:sp>
+        <p:nvSpPr>
+          <p:cNvPr id="3" name="Marcador de contenido 2"/>
+          <p:cNvSpPr>
+            <a:spLocks noGrp="1"/>
+          </p:cNvSpPr>
+          <p:nvPr>
+            <p:ph idx="1"/>
+          </p:nvPr>
+        </p:nvSpPr>
+        <p:spPr/>
+        <p:txBody>
+          <a:bodyPr>
+            <a:normAutofit fontScale="85000" lnSpcReduction="20000"/>
+          </a:bodyPr>
+          <a:lstStyle/>
+          <a:p>
+            <a:pPr>
+              <a:defRPr/>
+            </a:pPr>
+            <a:r>
+              <a:rPr lang="es-ES" sz="2800" dirty="0">
+                <a:effectLst>
+                  <a:outerShdw blurRad="38100" dist="38100" dir="2700000" algn="tl">
+                    <a:srgbClr val="000000">
+                      <a:alpha val="43137"/>
+                    </a:srgbClr>
+                  </a:outerShdw>
+                </a:effectLst>
+              </a:rPr>
+              <a:t>Las firmas de los métodos deben ser únicas dentro de una clase.</a:t>
+            </a:r>
+          </a:p>
+          <a:p>
+            <a:pPr>
+              <a:defRPr/>
+            </a:pPr>
+            <a:endParaRPr lang="es-ES" sz="2200" dirty="0">
+              <a:effectLst>
+                <a:outerShdw blurRad="38100" dist="38100" dir="2700000" algn="tl">
+                  <a:srgbClr val="000000">
+                    <a:alpha val="43137"/>
+                  </a:srgbClr>
+                </a:outerShdw>
+              </a:effectLst>
+            </a:endParaRPr>
+          </a:p>
+          <a:p>
+            <a:pPr>
+              <a:defRPr/>
+            </a:pPr>
+            <a:r>
+              <a:rPr lang="es-ES" sz="2800" dirty="0">
+                <a:effectLst>
+                  <a:outerShdw blurRad="38100" dist="38100" dir="2700000" algn="tl">
+                    <a:srgbClr val="000000">
+                      <a:alpha val="43137"/>
+                    </a:srgbClr>
+                  </a:outerShdw>
+                </a:effectLst>
+              </a:rPr>
+              <a:t>Forman la definición de la firma de un método:</a:t>
+            </a:r>
+          </a:p>
+          <a:p>
+            <a:pPr lvl="1">
+              <a:defRPr/>
+            </a:pPr>
+            <a:r>
+              <a:rPr lang="es-ES" sz="2400" dirty="0">
+                <a:effectLst>
+                  <a:outerShdw blurRad="38100" dist="38100" dir="2700000" algn="tl">
+                    <a:srgbClr val="000000">
+                      <a:alpha val="43137"/>
+                    </a:srgbClr>
+                  </a:outerShdw>
+                </a:effectLst>
+              </a:rPr>
+              <a:t>Nombre del método.</a:t>
+            </a:r>
+          </a:p>
+          <a:p>
+            <a:pPr lvl="1">
+              <a:defRPr/>
+            </a:pPr>
+            <a:r>
+              <a:rPr lang="es-ES" sz="2400" dirty="0">
+                <a:effectLst>
+                  <a:outerShdw blurRad="38100" dist="38100" dir="2700000" algn="tl">
+                    <a:srgbClr val="000000">
+                      <a:alpha val="43137"/>
+                    </a:srgbClr>
+                  </a:outerShdw>
+                </a:effectLst>
+              </a:rPr>
+              <a:t>Tipo de parámetros.</a:t>
+            </a:r>
+          </a:p>
+          <a:p>
+            <a:pPr lvl="1">
+              <a:defRPr/>
+            </a:pPr>
+            <a:r>
+              <a:rPr lang="es-ES" sz="2400" dirty="0">
+                <a:effectLst>
+                  <a:outerShdw blurRad="38100" dist="38100" dir="2700000" algn="tl">
+                    <a:srgbClr val="000000">
+                      <a:alpha val="43137"/>
+                    </a:srgbClr>
+                  </a:outerShdw>
+                </a:effectLst>
+              </a:rPr>
+              <a:t>Cantidad de parámetros.</a:t>
+            </a:r>
+          </a:p>
+          <a:p>
+            <a:pPr lvl="1">
+              <a:defRPr/>
+            </a:pPr>
+            <a:r>
+              <a:rPr lang="es-ES" sz="2400" dirty="0">
+                <a:effectLst>
+                  <a:outerShdw blurRad="38100" dist="38100" dir="2700000" algn="tl">
+                    <a:srgbClr val="000000">
+                      <a:alpha val="43137"/>
+                    </a:srgbClr>
+                  </a:outerShdw>
+                </a:effectLst>
+              </a:rPr>
+              <a:t>Modificador de parámetro (</a:t>
+            </a:r>
+            <a:r>
+              <a:rPr lang="es-ES" sz="2400" b="1" dirty="0" err="1">
+                <a:effectLst>
+                  <a:outerShdw blurRad="38100" dist="38100" dir="2700000" algn="tl">
+                    <a:srgbClr val="000000">
+                      <a:alpha val="43137"/>
+                    </a:srgbClr>
+                  </a:outerShdw>
+                </a:effectLst>
+              </a:rPr>
+              <a:t>out</a:t>
+            </a:r>
+            <a:r>
+              <a:rPr lang="es-ES" sz="2400" b="1" dirty="0">
+                <a:effectLst>
+                  <a:outerShdw blurRad="38100" dist="38100" dir="2700000" algn="tl">
+                    <a:srgbClr val="000000">
+                      <a:alpha val="43137"/>
+                    </a:srgbClr>
+                  </a:outerShdw>
+                </a:effectLst>
+              </a:rPr>
+              <a:t> o </a:t>
+            </a:r>
+            <a:r>
+              <a:rPr lang="es-ES" sz="2400" b="1" dirty="0" err="1">
+                <a:effectLst>
+                  <a:outerShdw blurRad="38100" dist="38100" dir="2700000" algn="tl">
+                    <a:srgbClr val="000000">
+                      <a:alpha val="43137"/>
+                    </a:srgbClr>
+                  </a:outerShdw>
+                </a:effectLst>
+              </a:rPr>
+              <a:t>ref</a:t>
+            </a:r>
+            <a:r>
+              <a:rPr lang="es-ES" sz="2400" dirty="0">
+                <a:effectLst>
+                  <a:outerShdw blurRad="38100" dist="38100" dir="2700000" algn="tl">
+                    <a:srgbClr val="000000">
+                      <a:alpha val="43137"/>
+                    </a:srgbClr>
+                  </a:outerShdw>
+                </a:effectLst>
+              </a:rPr>
+              <a:t>)</a:t>
+            </a:r>
+          </a:p>
+          <a:p>
+            <a:pPr lvl="1">
+              <a:defRPr/>
+            </a:pPr>
+            <a:endParaRPr lang="es-ES" sz="2200" dirty="0">
+              <a:effectLst>
+                <a:outerShdw blurRad="38100" dist="38100" dir="2700000" algn="tl">
+                  <a:srgbClr val="000000">
+                    <a:alpha val="43137"/>
+                  </a:srgbClr>
+                </a:outerShdw>
+              </a:effectLst>
+            </a:endParaRPr>
+          </a:p>
+          <a:p>
+            <a:pPr>
+              <a:defRPr/>
+            </a:pPr>
+            <a:r>
+              <a:rPr lang="es-ES" sz="2800" dirty="0">
+                <a:effectLst>
+                  <a:outerShdw blurRad="38100" dist="38100" dir="2700000" algn="tl">
+                    <a:srgbClr val="000000">
+                      <a:alpha val="43137"/>
+                    </a:srgbClr>
+                  </a:outerShdw>
+                </a:effectLst>
+              </a:rPr>
+              <a:t>No afectan la firma de un método:</a:t>
+            </a:r>
+          </a:p>
+          <a:p>
+            <a:pPr lvl="1">
+              <a:defRPr/>
+            </a:pPr>
+            <a:r>
+              <a:rPr lang="es-ES" sz="2400" dirty="0">
+                <a:effectLst>
+                  <a:outerShdw blurRad="38100" dist="38100" dir="2700000" algn="tl">
+                    <a:srgbClr val="000000">
+                      <a:alpha val="43137"/>
+                    </a:srgbClr>
+                  </a:outerShdw>
+                </a:effectLst>
+              </a:rPr>
+              <a:t>Nombres de parámetros.</a:t>
+            </a:r>
+          </a:p>
+          <a:p>
+            <a:pPr lvl="1">
+              <a:defRPr/>
+            </a:pPr>
+            <a:r>
+              <a:rPr lang="es-ES" sz="2400" dirty="0">
+                <a:effectLst>
+                  <a:outerShdw blurRad="38100" dist="38100" dir="2700000" algn="tl">
+                    <a:srgbClr val="000000">
+                      <a:alpha val="43137"/>
+                    </a:srgbClr>
+                  </a:outerShdw>
+                </a:effectLst>
+              </a:rPr>
+              <a:t>Tipo de retorno del método.</a:t>
+            </a:r>
+            <a:endParaRPr lang="es-AR" dirty="0">
+              <a:effectLst>
+                <a:outerShdw blurRad="38100" dist="38100" dir="2700000" algn="tl">
+                  <a:srgbClr val="000000">
+                    <a:alpha val="43137"/>
+                  </a:srgbClr>
+                </a:outerShdw>
+              </a:effectLst>
+            </a:endParaRPr>
+          </a:p>
+        </p:txBody>
+      </p:sp>
+    </p:spTree>
+    <p:extLst>
+      <p:ext uri="{BB962C8B-B14F-4D97-AF65-F5344CB8AC3E}">
+        <p14:creationId xmlns:p14="http://schemas.microsoft.com/office/powerpoint/2010/main" val="4179072825"/>
+      </p:ext>
+    </p:extLst>
+  </p:cSld>
+  <p:clrMapOvr>
+    <a:masterClrMapping/>
+  </p:clrMapOvr>
+  <p:timing>
+    <p:tnLst>
+      <p:par>
+        <p:cTn id="1" dur="indefinite" restart="never" nodeType="tmRoot"/>
+      </p:par>
+    </p:tnLst>
+  </p:timing>
+</p:sld>
+</file>
+
+<file path=ppt/slides/slide7.xml><?xml version="1.0" encoding="utf-8"?>
+<p:sld xmlns:a="http://schemas.openxmlformats.org/drawingml/2006/main" xmlns:r="http://schemas.openxmlformats.org/officeDocument/2006/relationships" xmlns:p="http://schemas.openxmlformats.org/presentationml/2006/main">
+  <p:cSld>
+    <p:spTree>
+      <p:nvGrpSpPr>
+        <p:cNvPr id="1" name=""/>
+        <p:cNvGrpSpPr/>
+        <p:nvPr/>
+      </p:nvGrpSpPr>
+      <p:grpSpPr>
+        <a:xfrm>
+          <a:off x="0" y="0"/>
+          <a:ext cx="0" cy="0"/>
+          <a:chOff x="0" y="0"/>
+          <a:chExt cx="0" cy="0"/>
+        </a:xfrm>
+      </p:grpSpPr>
+      <p:sp>
+        <p:nvSpPr>
+          <p:cNvPr id="2" name="Título 1"/>
+          <p:cNvSpPr>
+            <a:spLocks noGrp="1"/>
+          </p:cNvSpPr>
+          <p:nvPr>
+            <p:ph type="title"/>
+          </p:nvPr>
+        </p:nvSpPr>
+        <p:spPr/>
+        <p:txBody>
+          <a:bodyPr/>
+          <a:lstStyle/>
+          <a:p>
+            <a:r>
+              <a:rPr lang="es-AR" dirty="0" smtClean="0"/>
+              <a:t>Ejemplo</a:t>
+            </a:r>
+            <a:endParaRPr lang="es-AR" dirty="0"/>
+          </a:p>
+        </p:txBody>
+      </p:sp>
+      <p:sp>
+        <p:nvSpPr>
+          <p:cNvPr id="4" name="Google Shape;408;p22"/>
+          <p:cNvSpPr txBox="1">
+            <a:spLocks/>
+          </p:cNvSpPr>
+          <p:nvPr/>
+        </p:nvSpPr>
+        <p:spPr>
+          <a:xfrm>
+            <a:off x="680321" y="2328251"/>
+            <a:ext cx="10692300" cy="4265731"/>
+          </a:xfrm>
+          <a:prstGeom prst="rect">
+            <a:avLst/>
+          </a:prstGeom>
+          <a:solidFill>
+            <a:srgbClr val="FFFFFF"/>
+          </a:solidFill>
+          <a:ln>
+            <a:noFill/>
+          </a:ln>
+        </p:spPr>
+        <p:txBody>
+          <a:bodyPr spcFirstLastPara="1" wrap="square" lIns="91425" tIns="45700" rIns="91425" bIns="45700" anchor="t" anchorCtr="0">
+            <a:noAutofit/>
+          </a:bodyPr>
+          <a:lstStyle>
+            <a:defPPr marR="0" lvl="0" algn="l" rtl="0">
+              <a:lnSpc>
+                <a:spcPct val="100000"/>
+              </a:lnSpc>
+              <a:spcBef>
+                <a:spcPts val="0"/>
+              </a:spcBef>
+              <a:spcAft>
+                <a:spcPts val="0"/>
+              </a:spcAft>
+            </a:defPPr>
+            <a:lvl1pPr marL="457200" marR="0" lvl="0" indent="-381000" algn="l" rtl="0">
+              <a:lnSpc>
+                <a:spcPct val="90000"/>
+              </a:lnSpc>
+              <a:spcBef>
+                <a:spcPts val="1000"/>
+              </a:spcBef>
+              <a:spcAft>
+                <a:spcPts val="0"/>
+              </a:spcAft>
+              <a:buClr>
+                <a:schemeClr val="lt1"/>
+              </a:buClr>
+              <a:buSzPts val="2400"/>
+              <a:buFont typeface="Arial"/>
+              <a:buChar char="•"/>
+              <a:defRPr sz="2400" b="0" i="0" u="none" strike="noStrike" cap="none">
+                <a:solidFill>
+                  <a:schemeClr val="lt1"/>
+                </a:solidFill>
+                <a:latin typeface="Trebuchet MS"/>
+                <a:ea typeface="Trebuchet MS"/>
+                <a:cs typeface="Trebuchet MS"/>
+                <a:sym typeface="Trebuchet MS"/>
+              </a:defRPr>
+            </a:lvl1pPr>
+            <a:lvl2pPr marL="914400" marR="0" lvl="1" indent="-355600" algn="l" rtl="0">
+              <a:lnSpc>
+                <a:spcPct val="90000"/>
+              </a:lnSpc>
+              <a:spcBef>
+                <a:spcPts val="500"/>
+              </a:spcBef>
+              <a:spcAft>
+                <a:spcPts val="0"/>
+              </a:spcAft>
+              <a:buClr>
+                <a:schemeClr val="lt1"/>
+              </a:buClr>
+              <a:buSzPts val="2000"/>
+              <a:buFont typeface="Arial"/>
+              <a:buChar char="•"/>
+              <a:defRPr sz="2000" b="0" i="0" u="none" strike="noStrike" cap="none">
+                <a:solidFill>
+                  <a:schemeClr val="lt1"/>
+                </a:solidFill>
+                <a:latin typeface="Trebuchet MS"/>
+                <a:ea typeface="Trebuchet MS"/>
+                <a:cs typeface="Trebuchet MS"/>
+                <a:sym typeface="Trebuchet MS"/>
+              </a:defRPr>
+            </a:lvl2pPr>
+            <a:lvl3pPr marL="1371600" marR="0" lvl="2" indent="-342900" algn="l" rtl="0">
+              <a:lnSpc>
+                <a:spcPct val="90000"/>
+              </a:lnSpc>
+              <a:spcBef>
+                <a:spcPts val="500"/>
+              </a:spcBef>
+              <a:spcAft>
+                <a:spcPts val="0"/>
+              </a:spcAft>
+              <a:buClr>
+                <a:schemeClr val="lt1"/>
+              </a:buClr>
+              <a:buSzPts val="1800"/>
+              <a:buFont typeface="Arial"/>
+              <a:buChar char="•"/>
+              <a:defRPr sz="1800" b="0" i="0" u="none" strike="noStrike" cap="none">
+                <a:solidFill>
+                  <a:schemeClr val="lt1"/>
+                </a:solidFill>
+                <a:latin typeface="Trebuchet MS"/>
+                <a:ea typeface="Trebuchet MS"/>
+                <a:cs typeface="Trebuchet MS"/>
+                <a:sym typeface="Trebuchet MS"/>
+              </a:defRPr>
+            </a:lvl3pPr>
+            <a:lvl4pPr marL="1828800" marR="0" lvl="3" indent="-330200" algn="l" rtl="0">
+              <a:lnSpc>
+                <a:spcPct val="90000"/>
+              </a:lnSpc>
+              <a:spcBef>
+                <a:spcPts val="500"/>
+              </a:spcBef>
+              <a:spcAft>
+                <a:spcPts val="0"/>
+              </a:spcAft>
+              <a:buClr>
+                <a:schemeClr val="lt1"/>
+              </a:buClr>
+              <a:buSzPts val="1600"/>
+              <a:buFont typeface="Arial"/>
+              <a:buChar char="•"/>
+              <a:defRPr sz="1600" b="0" i="0" u="none" strike="noStrike" cap="none">
+                <a:solidFill>
+                  <a:schemeClr val="lt1"/>
+                </a:solidFill>
+                <a:latin typeface="Trebuchet MS"/>
+                <a:ea typeface="Trebuchet MS"/>
+                <a:cs typeface="Trebuchet MS"/>
+                <a:sym typeface="Trebuchet MS"/>
+              </a:defRPr>
+            </a:lvl4pPr>
+            <a:lvl5pPr marL="2286000" marR="0" lvl="4" indent="-330200" algn="l" rtl="0">
+              <a:lnSpc>
+                <a:spcPct val="90000"/>
+              </a:lnSpc>
+              <a:spcBef>
+                <a:spcPts val="500"/>
+              </a:spcBef>
+              <a:spcAft>
+                <a:spcPts val="0"/>
+              </a:spcAft>
+              <a:buClr>
+                <a:schemeClr val="lt1"/>
+              </a:buClr>
+              <a:buSzPts val="1600"/>
+              <a:buFont typeface="Arial"/>
+              <a:buChar char="•"/>
+              <a:defRPr sz="1600" b="0" i="0" u="none" strike="noStrike" cap="none">
+                <a:solidFill>
+                  <a:schemeClr val="lt1"/>
+                </a:solidFill>
+                <a:latin typeface="Trebuchet MS"/>
+                <a:ea typeface="Trebuchet MS"/>
+                <a:cs typeface="Trebuchet MS"/>
+                <a:sym typeface="Trebuchet MS"/>
+              </a:defRPr>
+            </a:lvl5pPr>
+            <a:lvl6pPr marL="2743200" marR="0" lvl="5" indent="-317500" algn="l" rtl="0">
+              <a:lnSpc>
+                <a:spcPct val="90000"/>
+              </a:lnSpc>
+              <a:spcBef>
+                <a:spcPts val="500"/>
+              </a:spcBef>
+              <a:spcAft>
+                <a:spcPts val="0"/>
+              </a:spcAft>
+              <a:buClr>
+                <a:schemeClr val="lt1"/>
+              </a:buClr>
+              <a:buSzPts val="1400"/>
+              <a:buFont typeface="Arial"/>
+              <a:buChar char="•"/>
+              <a:defRPr sz="1400" b="0" i="0" u="none" strike="noStrike" cap="none">
+                <a:solidFill>
+                  <a:schemeClr val="lt1"/>
+                </a:solidFill>
+                <a:latin typeface="Trebuchet MS"/>
+                <a:ea typeface="Trebuchet MS"/>
+                <a:cs typeface="Trebuchet MS"/>
+                <a:sym typeface="Trebuchet MS"/>
+              </a:defRPr>
+            </a:lvl6pPr>
+            <a:lvl7pPr marL="3200400" marR="0" lvl="6" indent="-317500" algn="l" rtl="0">
+              <a:lnSpc>
+                <a:spcPct val="90000"/>
+              </a:lnSpc>
+              <a:spcBef>
+                <a:spcPts val="500"/>
+              </a:spcBef>
+              <a:spcAft>
+                <a:spcPts val="0"/>
+              </a:spcAft>
+              <a:buClr>
+                <a:schemeClr val="lt1"/>
+              </a:buClr>
+              <a:buSzPts val="1400"/>
+              <a:buFont typeface="Arial"/>
+              <a:buChar char="•"/>
+              <a:defRPr sz="1400" b="0" i="0" u="none" strike="noStrike" cap="none">
+                <a:solidFill>
+                  <a:schemeClr val="lt1"/>
+                </a:solidFill>
+                <a:latin typeface="Trebuchet MS"/>
+                <a:ea typeface="Trebuchet MS"/>
+                <a:cs typeface="Trebuchet MS"/>
+                <a:sym typeface="Trebuchet MS"/>
+              </a:defRPr>
+            </a:lvl7pPr>
+            <a:lvl8pPr marL="3657600" marR="0" lvl="7" indent="-317500" algn="l" rtl="0">
+              <a:lnSpc>
+                <a:spcPct val="90000"/>
+              </a:lnSpc>
+              <a:spcBef>
+                <a:spcPts val="500"/>
+              </a:spcBef>
+              <a:spcAft>
+                <a:spcPts val="0"/>
+              </a:spcAft>
+              <a:buClr>
+                <a:schemeClr val="lt1"/>
+              </a:buClr>
+              <a:buSzPts val="1400"/>
+              <a:buFont typeface="Arial"/>
+              <a:buChar char="•"/>
+              <a:defRPr sz="1400" b="0" i="0" u="none" strike="noStrike" cap="none">
+                <a:solidFill>
+                  <a:schemeClr val="lt1"/>
+                </a:solidFill>
+                <a:latin typeface="Trebuchet MS"/>
+                <a:ea typeface="Trebuchet MS"/>
+                <a:cs typeface="Trebuchet MS"/>
+                <a:sym typeface="Trebuchet MS"/>
+              </a:defRPr>
+            </a:lvl8pPr>
+            <a:lvl9pPr marL="4114800" marR="0" lvl="8" indent="-317500" algn="l" rtl="0">
+              <a:lnSpc>
+                <a:spcPct val="90000"/>
+              </a:lnSpc>
+              <a:spcBef>
+                <a:spcPts val="500"/>
+              </a:spcBef>
+              <a:spcAft>
+                <a:spcPts val="0"/>
+              </a:spcAft>
+              <a:buClr>
+                <a:schemeClr val="lt1"/>
+              </a:buClr>
+              <a:buSzPts val="1400"/>
+              <a:buFont typeface="Arial"/>
+              <a:buChar char="•"/>
+              <a:defRPr sz="1400" b="0" i="0" u="none" strike="noStrike" cap="none">
+                <a:solidFill>
+                  <a:schemeClr val="lt1"/>
+                </a:solidFill>
+                <a:latin typeface="Trebuchet MS"/>
+                <a:ea typeface="Trebuchet MS"/>
+                <a:cs typeface="Trebuchet MS"/>
+                <a:sym typeface="Trebuchet MS"/>
+              </a:defRPr>
+            </a:lvl9pPr>
+          </a:lstStyle>
+          <a:p>
+            <a:pPr marL="76200" indent="0">
+              <a:spcBef>
+                <a:spcPts val="0"/>
+              </a:spcBef>
+              <a:buNone/>
+            </a:pPr>
+            <a:r>
+              <a:rPr lang="es-AR" sz="2000" dirty="0" err="1">
+                <a:solidFill>
+                  <a:srgbClr val="0000FF"/>
+                </a:solidFill>
+                <a:latin typeface="Consolas" panose="020B0609020204030204" pitchFamily="49" charset="0"/>
+              </a:rPr>
+              <a:t>class</a:t>
+            </a:r>
+            <a:r>
+              <a:rPr lang="es-AR" sz="2000" dirty="0">
+                <a:solidFill>
+                  <a:srgbClr val="000000"/>
+                </a:solidFill>
+                <a:latin typeface="Consolas" panose="020B0609020204030204" pitchFamily="49" charset="0"/>
+              </a:rPr>
+              <a:t> </a:t>
+            </a:r>
+            <a:r>
+              <a:rPr lang="es-AR" sz="2000" dirty="0">
+                <a:solidFill>
+                  <a:srgbClr val="2B91AF"/>
+                </a:solidFill>
+                <a:latin typeface="Consolas" panose="020B0609020204030204" pitchFamily="49" charset="0"/>
+              </a:rPr>
+              <a:t>Sobrecarga</a:t>
+            </a:r>
+            <a:endParaRPr lang="es-AR" sz="2000" dirty="0">
+              <a:solidFill>
+                <a:srgbClr val="000000"/>
+              </a:solidFill>
+              <a:latin typeface="Consolas" panose="020B0609020204030204" pitchFamily="49" charset="0"/>
+            </a:endParaRPr>
+          </a:p>
+          <a:p>
+            <a:pPr marL="76200" indent="0">
+              <a:spcBef>
+                <a:spcPts val="0"/>
+              </a:spcBef>
+              <a:buNone/>
+            </a:pPr>
+            <a:r>
+              <a:rPr lang="es-AR" sz="2000" dirty="0">
+                <a:solidFill>
+                  <a:srgbClr val="000000"/>
+                </a:solidFill>
+                <a:latin typeface="Consolas" panose="020B0609020204030204" pitchFamily="49" charset="0"/>
+              </a:rPr>
+              <a:t>{</a:t>
+            </a:r>
+          </a:p>
+          <a:p>
+            <a:pPr marL="76200" indent="0">
+              <a:spcBef>
+                <a:spcPts val="0"/>
+              </a:spcBef>
+              <a:buNone/>
+            </a:pPr>
+            <a:r>
               <a:rPr lang="es-AR" sz="2000" dirty="0">
                 <a:solidFill>
                   <a:srgbClr val="000000"/>
@@ -12342,6 +13262,13 @@
   <p:clrMapOvr>
     <a:masterClrMapping/>
   </p:clrMapOvr>
+  <p:timing>
+    <p:tnLst>
+      <p:par>
+        <p:cTn id="1" dur="indefinite" restart="never" nodeType="tmRoot"/>
+      </p:par>
+    </p:tnLst>
+  </p:timing>
 </p:sld>
 </file>
 
@@ -12538,6 +13465,13 @@
   <p:clrMapOvr>
     <a:masterClrMapping/>
   </p:clrMapOvr>
+  <p:timing>
+    <p:tnLst>
+      <p:par>
+        <p:cTn id="1" dur="indefinite" restart="never" nodeType="tmRoot"/>
+      </p:par>
+    </p:tnLst>
+  </p:timing>
 </p:sld>
 </file>
 
@@ -12735,6 +13669,13 @@
   <p:clrMapOvr>
     <a:masterClrMapping/>
   </p:clrMapOvr>
+  <p:timing>
+    <p:tnLst>
+      <p:par>
+        <p:cTn id="1" dur="indefinite" restart="never" nodeType="tmRoot"/>
+      </p:par>
+    </p:tnLst>
+  </p:timing>
 </p:sld>
 </file>
 
